--- a/Airline Flight-Booking-System.pptx
+++ b/Airline Flight-Booking-System.pptx
@@ -5,7 +5,7 @@
     <p:sldMasterId id="2147483669" r:id="rId1"/>
   </p:sldMasterIdLst>
   <p:notesMasterIdLst>
-    <p:notesMasterId r:id="rId14"/>
+    <p:notesMasterId r:id="rId15"/>
   </p:notesMasterIdLst>
   <p:sldIdLst>
     <p:sldId id="256" r:id="rId2"/>
@@ -14,12 +14,13 @@
     <p:sldId id="265" r:id="rId5"/>
     <p:sldId id="266" r:id="rId6"/>
     <p:sldId id="271" r:id="rId7"/>
-    <p:sldId id="261" r:id="rId8"/>
-    <p:sldId id="267" r:id="rId9"/>
-    <p:sldId id="268" r:id="rId10"/>
-    <p:sldId id="269" r:id="rId11"/>
-    <p:sldId id="270" r:id="rId12"/>
+    <p:sldId id="273" r:id="rId8"/>
+    <p:sldId id="261" r:id="rId9"/>
+    <p:sldId id="267" r:id="rId10"/>
+    <p:sldId id="268" r:id="rId11"/>
+    <p:sldId id="269" r:id="rId12"/>
     <p:sldId id="259" r:id="rId13"/>
+    <p:sldId id="272" r:id="rId14"/>
   </p:sldIdLst>
   <p:sldSz cx="12192000" cy="6858000"/>
   <p:notesSz cx="6858000" cy="9144000"/>
@@ -208,7 +209,7 @@
           <a:p>
             <a:fld id="{D308124F-7155-4D4F-AA2D-5DD0016402B1}" type="datetimeFigureOut">
               <a:rPr lang="en-US" smtClean="0"/>
-              <a:t>11/2/2018</a:t>
+              <a:t>11/20/2018</a:t>
             </a:fld>
             <a:endParaRPr lang="en-US"/>
           </a:p>
@@ -1197,7 +1198,7 @@
           <a:p>
             <a:fld id="{48A87A34-81AB-432B-8DAE-1953F412C126}" type="datetimeFigureOut">
               <a:rPr lang="en-US" smtClean="0"/>
-              <a:t>11/2/2018</a:t>
+              <a:t>11/20/2018</a:t>
             </a:fld>
             <a:endParaRPr lang="en-US" dirty="0"/>
           </a:p>
@@ -1448,7 +1449,7 @@
           <a:p>
             <a:fld id="{48A87A34-81AB-432B-8DAE-1953F412C126}" type="datetimeFigureOut">
               <a:rPr lang="en-US" smtClean="0"/>
-              <a:t>11/2/2018</a:t>
+              <a:t>11/20/2018</a:t>
             </a:fld>
             <a:endParaRPr lang="en-US" dirty="0"/>
           </a:p>
@@ -1762,7 +1763,7 @@
           <a:p>
             <a:fld id="{48A87A34-81AB-432B-8DAE-1953F412C126}" type="datetimeFigureOut">
               <a:rPr lang="en-US" smtClean="0"/>
-              <a:t>11/2/2018</a:t>
+              <a:t>11/20/2018</a:t>
             </a:fld>
             <a:endParaRPr lang="en-US" dirty="0"/>
           </a:p>
@@ -2103,7 +2104,7 @@
           <a:p>
             <a:fld id="{48A87A34-81AB-432B-8DAE-1953F412C126}" type="datetimeFigureOut">
               <a:rPr lang="en-US" smtClean="0"/>
-              <a:t>11/2/2018</a:t>
+              <a:t>11/20/2018</a:t>
             </a:fld>
             <a:endParaRPr lang="en-US" dirty="0"/>
           </a:p>
@@ -2418,7 +2419,7 @@
             <a:fld id="{48A87A34-81AB-432B-8DAE-1953F412C126}" type="datetimeFigureOut">
               <a:rPr lang="en-US" smtClean="0"/>
               <a:pPr/>
-              <a:t>11/2/2018</a:t>
+              <a:t>11/20/2018</a:t>
             </a:fld>
             <a:endParaRPr lang="en-US" dirty="0"/>
           </a:p>
@@ -2813,7 +2814,7 @@
             <a:fld id="{48A87A34-81AB-432B-8DAE-1953F412C126}" type="datetimeFigureOut">
               <a:rPr lang="en-US" smtClean="0"/>
               <a:pPr/>
-              <a:t>11/2/2018</a:t>
+              <a:t>11/20/2018</a:t>
             </a:fld>
             <a:endParaRPr lang="en-US" dirty="0"/>
           </a:p>
@@ -2984,7 +2985,7 @@
           <a:p>
             <a:fld id="{48A87A34-81AB-432B-8DAE-1953F412C126}" type="datetimeFigureOut">
               <a:rPr lang="en-US" smtClean="0"/>
-              <a:t>11/2/2018</a:t>
+              <a:t>11/20/2018</a:t>
             </a:fld>
             <a:endParaRPr lang="en-US" dirty="0"/>
           </a:p>
@@ -3164,7 +3165,7 @@
           <a:p>
             <a:fld id="{48A87A34-81AB-432B-8DAE-1953F412C126}" type="datetimeFigureOut">
               <a:rPr lang="en-US" smtClean="0"/>
-              <a:t>11/2/2018</a:t>
+              <a:t>11/20/2018</a:t>
             </a:fld>
             <a:endParaRPr lang="en-US" dirty="0"/>
           </a:p>
@@ -3340,7 +3341,7 @@
           <a:p>
             <a:fld id="{48A87A34-81AB-432B-8DAE-1953F412C126}" type="datetimeFigureOut">
               <a:rPr lang="en-US" smtClean="0"/>
-              <a:t>11/2/2018</a:t>
+              <a:t>11/20/2018</a:t>
             </a:fld>
             <a:endParaRPr lang="en-US" dirty="0"/>
           </a:p>
@@ -3587,7 +3588,7 @@
           <a:p>
             <a:fld id="{48A87A34-81AB-432B-8DAE-1953F412C126}" type="datetimeFigureOut">
               <a:rPr lang="en-US" smtClean="0"/>
-              <a:t>11/2/2018</a:t>
+              <a:t>11/20/2018</a:t>
             </a:fld>
             <a:endParaRPr lang="en-US" dirty="0"/>
           </a:p>
@@ -3819,7 +3820,7 @@
           <a:p>
             <a:fld id="{48A87A34-81AB-432B-8DAE-1953F412C126}" type="datetimeFigureOut">
               <a:rPr lang="en-US" smtClean="0"/>
-              <a:t>11/2/2018</a:t>
+              <a:t>11/20/2018</a:t>
             </a:fld>
             <a:endParaRPr lang="en-US" dirty="0"/>
           </a:p>
@@ -4193,7 +4194,7 @@
           <a:p>
             <a:fld id="{48A87A34-81AB-432B-8DAE-1953F412C126}" type="datetimeFigureOut">
               <a:rPr lang="en-US" smtClean="0"/>
-              <a:t>11/2/2018</a:t>
+              <a:t>11/20/2018</a:t>
             </a:fld>
             <a:endParaRPr lang="en-US" dirty="0"/>
           </a:p>
@@ -4316,7 +4317,7 @@
           <a:p>
             <a:fld id="{48A87A34-81AB-432B-8DAE-1953F412C126}" type="datetimeFigureOut">
               <a:rPr lang="en-US" smtClean="0"/>
-              <a:t>11/2/2018</a:t>
+              <a:t>11/20/2018</a:t>
             </a:fld>
             <a:endParaRPr lang="en-US" dirty="0"/>
           </a:p>
@@ -4411,7 +4412,7 @@
           <a:p>
             <a:fld id="{48A87A34-81AB-432B-8DAE-1953F412C126}" type="datetimeFigureOut">
               <a:rPr lang="en-US" smtClean="0"/>
-              <a:t>11/2/2018</a:t>
+              <a:t>11/20/2018</a:t>
             </a:fld>
             <a:endParaRPr lang="en-US" dirty="0"/>
           </a:p>
@@ -4666,7 +4667,7 @@
           <a:p>
             <a:fld id="{48A87A34-81AB-432B-8DAE-1953F412C126}" type="datetimeFigureOut">
               <a:rPr lang="en-US" smtClean="0"/>
-              <a:t>11/2/2018</a:t>
+              <a:t>11/20/2018</a:t>
             </a:fld>
             <a:endParaRPr lang="en-US" dirty="0"/>
           </a:p>
@@ -4929,7 +4930,7 @@
           <a:p>
             <a:fld id="{48A87A34-81AB-432B-8DAE-1953F412C126}" type="datetimeFigureOut">
               <a:rPr lang="en-US" smtClean="0"/>
-              <a:t>11/2/2018</a:t>
+              <a:t>11/20/2018</a:t>
             </a:fld>
             <a:endParaRPr lang="en-US" dirty="0"/>
           </a:p>
@@ -5673,7 +5674,7 @@
             <a:fld id="{48A87A34-81AB-432B-8DAE-1953F412C126}" type="datetimeFigureOut">
               <a:rPr lang="en-US" smtClean="0"/>
               <a:pPr/>
-              <a:t>11/2/2018</a:t>
+              <a:t>11/20/2018</a:t>
             </a:fld>
             <a:endParaRPr lang="en-US" dirty="0"/>
           </a:p>
@@ -6216,8 +6217,8 @@
         </p:nvSpPr>
         <p:spPr>
           <a:xfrm>
-            <a:off x="274126" y="384709"/>
-            <a:ext cx="9801052" cy="3044291"/>
+            <a:off x="762086" y="671574"/>
+            <a:ext cx="8475591" cy="1165158"/>
           </a:xfrm>
         </p:spPr>
         <p:txBody>
@@ -6233,7 +6234,7 @@
                 <a:latin typeface="Times New Roman" panose="02020603050405020304" pitchFamily="18" charset="0"/>
                 <a:cs typeface="Times New Roman" panose="02020603050405020304" pitchFamily="18" charset="0"/>
               </a:rPr>
-              <a:t>Software Requirements, Analysis and Specification</a:t>
+              <a:t> </a:t>
             </a:r>
             <a:br>
               <a:rPr lang="en-US" sz="4400" dirty="0">
@@ -6252,35 +6253,7 @@
                 <a:latin typeface="Times New Roman" panose="02020603050405020304" pitchFamily="18" charset="0"/>
                 <a:cs typeface="Times New Roman" panose="02020603050405020304" pitchFamily="18" charset="0"/>
               </a:rPr>
-              <a:t>for </a:t>
-            </a:r>
-            <a:br>
-              <a:rPr lang="en-US" sz="4400" dirty="0">
-                <a:solidFill>
-                  <a:schemeClr val="tx1"/>
-                </a:solidFill>
-                <a:latin typeface="Times New Roman" panose="02020603050405020304" pitchFamily="18" charset="0"/>
-                <a:cs typeface="Times New Roman" panose="02020603050405020304" pitchFamily="18" charset="0"/>
-              </a:rPr>
-            </a:br>
-            <a:br>
-              <a:rPr lang="en-US" sz="4400" dirty="0">
-                <a:solidFill>
-                  <a:schemeClr val="tx1"/>
-                </a:solidFill>
-                <a:latin typeface="Times New Roman" panose="02020603050405020304" pitchFamily="18" charset="0"/>
-                <a:cs typeface="Times New Roman" panose="02020603050405020304" pitchFamily="18" charset="0"/>
-              </a:rPr>
-            </a:br>
-            <a:r>
-              <a:rPr lang="en-US" sz="4400" dirty="0">
-                <a:solidFill>
-                  <a:schemeClr val="tx1"/>
-                </a:solidFill>
-                <a:latin typeface="Times New Roman" panose="02020603050405020304" pitchFamily="18" charset="0"/>
-                <a:cs typeface="Times New Roman" panose="02020603050405020304" pitchFamily="18" charset="0"/>
-              </a:rPr>
-              <a:t>Airline Flight Booking System</a:t>
+              <a:t>Airline Flight Booking System (FBS)</a:t>
             </a:r>
           </a:p>
         </p:txBody>
@@ -6303,8 +6276,8 @@
         </p:nvSpPr>
         <p:spPr>
           <a:xfrm>
-            <a:off x="1876424" y="3454744"/>
-            <a:ext cx="8791575" cy="3197725"/>
+            <a:off x="762086" y="2738550"/>
+            <a:ext cx="8791575" cy="3733101"/>
           </a:xfrm>
         </p:spPr>
         <p:txBody>
@@ -6509,6 +6482,174 @@
 </file>
 
 <file path=ppt/slides/slide10.xml><?xml version="1.0" encoding="utf-8"?>
+<p:sld xmlns:a="http://schemas.openxmlformats.org/drawingml/2006/main" xmlns:r="http://schemas.openxmlformats.org/officeDocument/2006/relationships" xmlns:p="http://schemas.openxmlformats.org/presentationml/2006/main">
+  <p:cSld>
+    <p:spTree>
+      <p:nvGrpSpPr>
+        <p:cNvPr id="1" name=""/>
+        <p:cNvGrpSpPr/>
+        <p:nvPr/>
+      </p:nvGrpSpPr>
+      <p:grpSpPr>
+        <a:xfrm>
+          <a:off x="0" y="0"/>
+          <a:ext cx="0" cy="0"/>
+          <a:chOff x="0" y="0"/>
+          <a:chExt cx="0" cy="0"/>
+        </a:xfrm>
+      </p:grpSpPr>
+      <p:sp>
+        <p:nvSpPr>
+          <p:cNvPr id="2" name="Title 1">
+            <a:extLst>
+              <a:ext uri="{FF2B5EF4-FFF2-40B4-BE49-F238E27FC236}">
+                <a16:creationId xmlns:a16="http://schemas.microsoft.com/office/drawing/2014/main" id="{ABB0390F-9B42-400F-8C34-AC8B8390CFE2}"/>
+              </a:ext>
+            </a:extLst>
+          </p:cNvPr>
+          <p:cNvSpPr txBox="1">
+            <a:spLocks/>
+          </p:cNvSpPr>
+          <p:nvPr/>
+        </p:nvSpPr>
+        <p:spPr>
+          <a:xfrm>
+            <a:off x="797465" y="111722"/>
+            <a:ext cx="9905998" cy="1024752"/>
+          </a:xfrm>
+          <a:prstGeom prst="rect">
+            <a:avLst/>
+          </a:prstGeom>
+        </p:spPr>
+        <p:txBody>
+          <a:bodyPr/>
+          <a:lstStyle>
+            <a:lvl1pPr algn="l" defTabSz="457200" rtl="0" eaLnBrk="1" latinLnBrk="0" hangingPunct="1">
+              <a:spcBef>
+                <a:spcPct val="0"/>
+              </a:spcBef>
+              <a:buNone/>
+              <a:defRPr sz="3600" kern="1200">
+                <a:solidFill>
+                  <a:schemeClr val="accent1"/>
+                </a:solidFill>
+                <a:latin typeface="+mj-lt"/>
+                <a:ea typeface="+mj-ea"/>
+                <a:cs typeface="+mj-cs"/>
+              </a:defRPr>
+            </a:lvl1pPr>
+            <a:lvl2pPr eaLnBrk="1" hangingPunct="1">
+              <a:defRPr>
+                <a:solidFill>
+                  <a:schemeClr val="tx2"/>
+                </a:solidFill>
+              </a:defRPr>
+            </a:lvl2pPr>
+            <a:lvl3pPr eaLnBrk="1" hangingPunct="1">
+              <a:defRPr>
+                <a:solidFill>
+                  <a:schemeClr val="tx2"/>
+                </a:solidFill>
+              </a:defRPr>
+            </a:lvl3pPr>
+            <a:lvl4pPr eaLnBrk="1" hangingPunct="1">
+              <a:defRPr>
+                <a:solidFill>
+                  <a:schemeClr val="tx2"/>
+                </a:solidFill>
+              </a:defRPr>
+            </a:lvl4pPr>
+            <a:lvl5pPr eaLnBrk="1" hangingPunct="1">
+              <a:defRPr>
+                <a:solidFill>
+                  <a:schemeClr val="tx2"/>
+                </a:solidFill>
+              </a:defRPr>
+            </a:lvl5pPr>
+            <a:lvl6pPr eaLnBrk="1" hangingPunct="1">
+              <a:defRPr>
+                <a:solidFill>
+                  <a:schemeClr val="tx2"/>
+                </a:solidFill>
+              </a:defRPr>
+            </a:lvl6pPr>
+            <a:lvl7pPr eaLnBrk="1" hangingPunct="1">
+              <a:defRPr>
+                <a:solidFill>
+                  <a:schemeClr val="tx2"/>
+                </a:solidFill>
+              </a:defRPr>
+            </a:lvl7pPr>
+            <a:lvl8pPr eaLnBrk="1" hangingPunct="1">
+              <a:defRPr>
+                <a:solidFill>
+                  <a:schemeClr val="tx2"/>
+                </a:solidFill>
+              </a:defRPr>
+            </a:lvl8pPr>
+            <a:lvl9pPr eaLnBrk="1" hangingPunct="1">
+              <a:defRPr>
+                <a:solidFill>
+                  <a:schemeClr val="tx2"/>
+                </a:solidFill>
+              </a:defRPr>
+            </a:lvl9pPr>
+          </a:lstStyle>
+          <a:p>
+            <a:r>
+              <a:rPr lang="en-US" sz="4000" b="1" dirty="0">
+                <a:latin typeface="Times New Roman" panose="02020603050405020304" pitchFamily="18" charset="0"/>
+                <a:cs typeface="Times New Roman" panose="02020603050405020304" pitchFamily="18" charset="0"/>
+              </a:rPr>
+              <a:t>Sequence Diagram</a:t>
+            </a:r>
+          </a:p>
+        </p:txBody>
+      </p:sp>
+      <p:pic>
+        <p:nvPicPr>
+          <p:cNvPr id="4" name="Picture 3">
+            <a:extLst>
+              <a:ext uri="{FF2B5EF4-FFF2-40B4-BE49-F238E27FC236}">
+                <a16:creationId xmlns:a16="http://schemas.microsoft.com/office/drawing/2014/main" id="{30418F00-7060-49FF-92FA-F262162389BB}"/>
+              </a:ext>
+            </a:extLst>
+          </p:cNvPr>
+          <p:cNvPicPr>
+            <a:picLocks noChangeAspect="1"/>
+          </p:cNvPicPr>
+          <p:nvPr/>
+        </p:nvPicPr>
+        <p:blipFill>
+          <a:blip r:embed="rId2"/>
+          <a:stretch>
+            <a:fillRect/>
+          </a:stretch>
+        </p:blipFill>
+        <p:spPr>
+          <a:xfrm>
+            <a:off x="280114" y="984286"/>
+            <a:ext cx="9360616" cy="4745395"/>
+          </a:xfrm>
+          <a:prstGeom prst="rect">
+            <a:avLst/>
+          </a:prstGeom>
+        </p:spPr>
+      </p:pic>
+    </p:spTree>
+    <p:extLst>
+      <p:ext uri="{BB962C8B-B14F-4D97-AF65-F5344CB8AC3E}">
+        <p14:creationId xmlns:p14="http://schemas.microsoft.com/office/powerpoint/2010/main" val="3856882937"/>
+      </p:ext>
+    </p:extLst>
+  </p:cSld>
+  <p:clrMapOvr>
+    <a:masterClrMapping/>
+  </p:clrMapOvr>
+</p:sld>
+</file>
+
+<file path=ppt/slides/slide11.xml><?xml version="1.0" encoding="utf-8"?>
 <p:sld xmlns:a="http://schemas.openxmlformats.org/drawingml/2006/main" xmlns:r="http://schemas.openxmlformats.org/officeDocument/2006/relationships" xmlns:p="http://schemas.openxmlformats.org/presentationml/2006/main">
   <p:cSld>
     <p:spTree>
@@ -6676,174 +6817,6 @@
 </p:sld>
 </file>
 
-<file path=ppt/slides/slide11.xml><?xml version="1.0" encoding="utf-8"?>
-<p:sld xmlns:a="http://schemas.openxmlformats.org/drawingml/2006/main" xmlns:r="http://schemas.openxmlformats.org/officeDocument/2006/relationships" xmlns:p="http://schemas.openxmlformats.org/presentationml/2006/main">
-  <p:cSld>
-    <p:spTree>
-      <p:nvGrpSpPr>
-        <p:cNvPr id="1" name=""/>
-        <p:cNvGrpSpPr/>
-        <p:nvPr/>
-      </p:nvGrpSpPr>
-      <p:grpSpPr>
-        <a:xfrm>
-          <a:off x="0" y="0"/>
-          <a:ext cx="0" cy="0"/>
-          <a:chOff x="0" y="0"/>
-          <a:chExt cx="0" cy="0"/>
-        </a:xfrm>
-      </p:grpSpPr>
-      <p:sp>
-        <p:nvSpPr>
-          <p:cNvPr id="3" name="Title 1">
-            <a:extLst>
-              <a:ext uri="{FF2B5EF4-FFF2-40B4-BE49-F238E27FC236}">
-                <a16:creationId xmlns:a16="http://schemas.microsoft.com/office/drawing/2014/main" id="{7A138A68-663D-4D71-9957-DE48532426F5}"/>
-              </a:ext>
-            </a:extLst>
-          </p:cNvPr>
-          <p:cNvSpPr txBox="1">
-            <a:spLocks/>
-          </p:cNvSpPr>
-          <p:nvPr/>
-        </p:nvSpPr>
-        <p:spPr>
-          <a:xfrm>
-            <a:off x="797465" y="111722"/>
-            <a:ext cx="9905998" cy="1024752"/>
-          </a:xfrm>
-          <a:prstGeom prst="rect">
-            <a:avLst/>
-          </a:prstGeom>
-        </p:spPr>
-        <p:txBody>
-          <a:bodyPr/>
-          <a:lstStyle>
-            <a:lvl1pPr algn="l" defTabSz="457200" rtl="0" eaLnBrk="1" latinLnBrk="0" hangingPunct="1">
-              <a:spcBef>
-                <a:spcPct val="0"/>
-              </a:spcBef>
-              <a:buNone/>
-              <a:defRPr sz="3600" kern="1200">
-                <a:solidFill>
-                  <a:schemeClr val="accent1"/>
-                </a:solidFill>
-                <a:latin typeface="+mj-lt"/>
-                <a:ea typeface="+mj-ea"/>
-                <a:cs typeface="+mj-cs"/>
-              </a:defRPr>
-            </a:lvl1pPr>
-            <a:lvl2pPr eaLnBrk="1" hangingPunct="1">
-              <a:defRPr>
-                <a:solidFill>
-                  <a:schemeClr val="tx2"/>
-                </a:solidFill>
-              </a:defRPr>
-            </a:lvl2pPr>
-            <a:lvl3pPr eaLnBrk="1" hangingPunct="1">
-              <a:defRPr>
-                <a:solidFill>
-                  <a:schemeClr val="tx2"/>
-                </a:solidFill>
-              </a:defRPr>
-            </a:lvl3pPr>
-            <a:lvl4pPr eaLnBrk="1" hangingPunct="1">
-              <a:defRPr>
-                <a:solidFill>
-                  <a:schemeClr val="tx2"/>
-                </a:solidFill>
-              </a:defRPr>
-            </a:lvl4pPr>
-            <a:lvl5pPr eaLnBrk="1" hangingPunct="1">
-              <a:defRPr>
-                <a:solidFill>
-                  <a:schemeClr val="tx2"/>
-                </a:solidFill>
-              </a:defRPr>
-            </a:lvl5pPr>
-            <a:lvl6pPr eaLnBrk="1" hangingPunct="1">
-              <a:defRPr>
-                <a:solidFill>
-                  <a:schemeClr val="tx2"/>
-                </a:solidFill>
-              </a:defRPr>
-            </a:lvl6pPr>
-            <a:lvl7pPr eaLnBrk="1" hangingPunct="1">
-              <a:defRPr>
-                <a:solidFill>
-                  <a:schemeClr val="tx2"/>
-                </a:solidFill>
-              </a:defRPr>
-            </a:lvl7pPr>
-            <a:lvl8pPr eaLnBrk="1" hangingPunct="1">
-              <a:defRPr>
-                <a:solidFill>
-                  <a:schemeClr val="tx2"/>
-                </a:solidFill>
-              </a:defRPr>
-            </a:lvl8pPr>
-            <a:lvl9pPr eaLnBrk="1" hangingPunct="1">
-              <a:defRPr>
-                <a:solidFill>
-                  <a:schemeClr val="tx2"/>
-                </a:solidFill>
-              </a:defRPr>
-            </a:lvl9pPr>
-          </a:lstStyle>
-          <a:p>
-            <a:r>
-              <a:rPr lang="en-US" sz="4000" b="1" dirty="0">
-                <a:latin typeface="Times New Roman" panose="02020603050405020304" pitchFamily="18" charset="0"/>
-                <a:cs typeface="Times New Roman" panose="02020603050405020304" pitchFamily="18" charset="0"/>
-              </a:rPr>
-              <a:t>Sequence Diagram.. cont'd</a:t>
-            </a:r>
-          </a:p>
-        </p:txBody>
-      </p:sp>
-      <p:pic>
-        <p:nvPicPr>
-          <p:cNvPr id="4" name="Picture 3">
-            <a:extLst>
-              <a:ext uri="{FF2B5EF4-FFF2-40B4-BE49-F238E27FC236}">
-                <a16:creationId xmlns:a16="http://schemas.microsoft.com/office/drawing/2014/main" id="{B5E875F6-9190-4F73-B443-C19A6BA3E419}"/>
-              </a:ext>
-            </a:extLst>
-          </p:cNvPr>
-          <p:cNvPicPr>
-            <a:picLocks noChangeAspect="1"/>
-          </p:cNvPicPr>
-          <p:nvPr/>
-        </p:nvPicPr>
-        <p:blipFill>
-          <a:blip r:embed="rId2"/>
-          <a:stretch>
-            <a:fillRect/>
-          </a:stretch>
-        </p:blipFill>
-        <p:spPr>
-          <a:xfrm>
-            <a:off x="376674" y="1015110"/>
-            <a:ext cx="9119663" cy="4676775"/>
-          </a:xfrm>
-          <a:prstGeom prst="rect">
-            <a:avLst/>
-          </a:prstGeom>
-        </p:spPr>
-      </p:pic>
-    </p:spTree>
-    <p:extLst>
-      <p:ext uri="{BB962C8B-B14F-4D97-AF65-F5344CB8AC3E}">
-        <p14:creationId xmlns:p14="http://schemas.microsoft.com/office/powerpoint/2010/main" val="1320464425"/>
-      </p:ext>
-    </p:extLst>
-  </p:cSld>
-  <p:clrMapOvr>
-    <a:masterClrMapping/>
-  </p:clrMapOvr>
-</p:sld>
-</file>
-
 <file path=ppt/slides/slide12.xml><?xml version="1.0" encoding="utf-8"?>
 <p:sld xmlns:a="http://schemas.openxmlformats.org/drawingml/2006/main" xmlns:r="http://schemas.openxmlformats.org/officeDocument/2006/relationships" xmlns:p="http://schemas.openxmlformats.org/presentationml/2006/main">
   <p:cSld>
@@ -6894,17 +6867,17 @@
                 <a:latin typeface="Times New Roman" panose="02020603050405020304" pitchFamily="18" charset="0"/>
                 <a:cs typeface="Times New Roman" panose="02020603050405020304" pitchFamily="18" charset="0"/>
               </a:rPr>
-              <a:t>Class Diagram</a:t>
-            </a:r>
-          </a:p>
-        </p:txBody>
-      </p:sp>
-      <p:sp>
-        <p:nvSpPr>
-          <p:cNvPr id="3" name="Content Placeholder 2">
+              <a:t>Future Extension</a:t>
+            </a:r>
+          </a:p>
+        </p:txBody>
+      </p:sp>
+      <p:sp>
+        <p:nvSpPr>
+          <p:cNvPr id="8" name="Content Placeholder 2">
             <a:extLst>
               <a:ext uri="{FF2B5EF4-FFF2-40B4-BE49-F238E27FC236}">
-                <a16:creationId xmlns:a16="http://schemas.microsoft.com/office/drawing/2014/main" id="{95861D30-D862-4D1A-8629-627C31FF42C4}"/>
+                <a16:creationId xmlns:a16="http://schemas.microsoft.com/office/drawing/2014/main" id="{B684A2BC-371E-4131-94AF-D3575E713A66}"/>
               </a:ext>
             </a:extLst>
           </p:cNvPr>
@@ -6917,8 +6890,8 @@
         </p:nvSpPr>
         <p:spPr>
           <a:xfrm>
-            <a:off x="1141412" y="1643271"/>
-            <a:ext cx="9905999" cy="4147930"/>
+            <a:off x="310902" y="796954"/>
+            <a:ext cx="9764276" cy="5738069"/>
           </a:xfrm>
         </p:spPr>
         <p:txBody>
@@ -6927,50 +6900,368 @@
           </a:bodyPr>
           <a:lstStyle/>
           <a:p>
-            <a:endParaRPr lang="en-US" sz="2800" dirty="0"/>
-          </a:p>
-          <a:p>
-            <a:endParaRPr lang="en-US" sz="2800" dirty="0"/>
-          </a:p>
-          <a:p>
-            <a:endParaRPr lang="en-US" sz="2800" dirty="0"/>
-          </a:p>
-        </p:txBody>
-      </p:sp>
-      <p:pic>
-        <p:nvPicPr>
-          <p:cNvPr id="6" name="Picture 5">
+            <a:pPr>
+              <a:lnSpc>
+                <a:spcPct val="150000"/>
+              </a:lnSpc>
+            </a:pPr>
+            <a:r>
+              <a:rPr lang="en-US" sz="2400" dirty="0">
+                <a:latin typeface="Times New Roman" panose="02020603050405020304" pitchFamily="18" charset="0"/>
+                <a:cs typeface="Times New Roman" panose="02020603050405020304" pitchFamily="18" charset="0"/>
+              </a:rPr>
+              <a:t> Business Domain:</a:t>
+            </a:r>
+          </a:p>
+          <a:p>
+            <a:pPr lvl="1">
+              <a:lnSpc>
+                <a:spcPct val="150000"/>
+              </a:lnSpc>
+            </a:pPr>
+            <a:r>
+              <a:rPr lang="en-US" sz="2400" dirty="0">
+                <a:latin typeface="Times New Roman" panose="02020603050405020304" pitchFamily="18" charset="0"/>
+                <a:cs typeface="Times New Roman" panose="02020603050405020304" pitchFamily="18" charset="0"/>
+              </a:rPr>
+              <a:t>Customer registration and Promotion</a:t>
+            </a:r>
+          </a:p>
+          <a:p>
+            <a:pPr lvl="1">
+              <a:lnSpc>
+                <a:spcPct val="150000"/>
+              </a:lnSpc>
+            </a:pPr>
+            <a:r>
+              <a:rPr lang="en-US" sz="2400" dirty="0">
+                <a:latin typeface="Times New Roman" panose="02020603050405020304" pitchFamily="18" charset="0"/>
+                <a:cs typeface="Times New Roman" panose="02020603050405020304" pitchFamily="18" charset="0"/>
+              </a:rPr>
+              <a:t>Online checking and Flight Search</a:t>
+            </a:r>
+          </a:p>
+          <a:p>
+            <a:pPr lvl="1">
+              <a:lnSpc>
+                <a:spcPct val="150000"/>
+              </a:lnSpc>
+            </a:pPr>
+            <a:r>
+              <a:rPr lang="en-US" sz="2400" dirty="0">
+                <a:latin typeface="Times New Roman" panose="02020603050405020304" pitchFamily="18" charset="0"/>
+                <a:cs typeface="Times New Roman" panose="02020603050405020304" pitchFamily="18" charset="0"/>
+              </a:rPr>
+              <a:t>Payment</a:t>
+            </a:r>
+          </a:p>
+          <a:p>
+            <a:pPr>
+              <a:lnSpc>
+                <a:spcPct val="150000"/>
+              </a:lnSpc>
+            </a:pPr>
+            <a:r>
+              <a:rPr lang="en-US" sz="2400" dirty="0">
+                <a:latin typeface="Times New Roman" panose="02020603050405020304" pitchFamily="18" charset="0"/>
+                <a:cs typeface="Times New Roman" panose="02020603050405020304" pitchFamily="18" charset="0"/>
+              </a:rPr>
+              <a:t>Technologies:</a:t>
+            </a:r>
+          </a:p>
+          <a:p>
+            <a:pPr lvl="1">
+              <a:lnSpc>
+                <a:spcPct val="150000"/>
+              </a:lnSpc>
+            </a:pPr>
+            <a:r>
+              <a:rPr lang="en-US" sz="2400" dirty="0">
+                <a:latin typeface="Times New Roman" panose="02020603050405020304" pitchFamily="18" charset="0"/>
+                <a:cs typeface="Times New Roman" panose="02020603050405020304" pitchFamily="18" charset="0"/>
+              </a:rPr>
+              <a:t>Mobile app</a:t>
+            </a:r>
+          </a:p>
+          <a:p>
+            <a:pPr lvl="1">
+              <a:lnSpc>
+                <a:spcPct val="150000"/>
+              </a:lnSpc>
+            </a:pPr>
+            <a:r>
+              <a:rPr lang="en-US" sz="2400" dirty="0">
+                <a:latin typeface="Times New Roman" panose="02020603050405020304" pitchFamily="18" charset="0"/>
+                <a:cs typeface="Times New Roman" panose="02020603050405020304" pitchFamily="18" charset="0"/>
+              </a:rPr>
+              <a:t>Spring Cloud and Microservices: distributed config, service discovery, routing &amp; load balancing, etc.</a:t>
+            </a:r>
+          </a:p>
+          <a:p>
+            <a:endParaRPr lang="en-US" sz="3200" dirty="0"/>
+          </a:p>
+          <a:p>
+            <a:endParaRPr lang="en-US" sz="3200" dirty="0"/>
+          </a:p>
+        </p:txBody>
+      </p:sp>
+    </p:spTree>
+    <p:extLst>
+      <p:ext uri="{BB962C8B-B14F-4D97-AF65-F5344CB8AC3E}">
+        <p14:creationId xmlns:p14="http://schemas.microsoft.com/office/powerpoint/2010/main" val="412277805"/>
+      </p:ext>
+    </p:extLst>
+  </p:cSld>
+  <p:clrMapOvr>
+    <a:masterClrMapping/>
+  </p:clrMapOvr>
+</p:sld>
+</file>
+
+<file path=ppt/slides/slide13.xml><?xml version="1.0" encoding="utf-8"?>
+<p:sld xmlns:a="http://schemas.openxmlformats.org/drawingml/2006/main" xmlns:r="http://schemas.openxmlformats.org/officeDocument/2006/relationships" xmlns:p="http://schemas.openxmlformats.org/presentationml/2006/main">
+  <p:cSld>
+    <p:spTree>
+      <p:nvGrpSpPr>
+        <p:cNvPr id="1" name=""/>
+        <p:cNvGrpSpPr/>
+        <p:nvPr/>
+      </p:nvGrpSpPr>
+      <p:grpSpPr>
+        <a:xfrm>
+          <a:off x="0" y="0"/>
+          <a:ext cx="0" cy="0"/>
+          <a:chOff x="0" y="0"/>
+          <a:chExt cx="0" cy="0"/>
+        </a:xfrm>
+      </p:grpSpPr>
+      <p:sp>
+        <p:nvSpPr>
+          <p:cNvPr id="2" name="Title 1">
             <a:extLst>
               <a:ext uri="{FF2B5EF4-FFF2-40B4-BE49-F238E27FC236}">
-                <a16:creationId xmlns:a16="http://schemas.microsoft.com/office/drawing/2014/main" id="{EBB0D0E9-396C-4A5D-9C93-11C682815F9C}"/>
+                <a16:creationId xmlns:a16="http://schemas.microsoft.com/office/drawing/2014/main" id="{2EC666B2-40CA-464E-B10E-045736AE89C6}"/>
               </a:ext>
             </a:extLst>
           </p:cNvPr>
-          <p:cNvPicPr>
-            <a:picLocks noChangeAspect="1"/>
-          </p:cNvPicPr>
+          <p:cNvSpPr txBox="1">
+            <a:spLocks/>
+          </p:cNvSpPr>
           <p:nvPr/>
-        </p:nvPicPr>
-        <p:blipFill>
-          <a:blip r:embed="rId2"/>
-          <a:stretch>
-            <a:fillRect/>
-          </a:stretch>
-        </p:blipFill>
+        </p:nvSpPr>
         <p:spPr>
           <a:xfrm>
-            <a:off x="1342239" y="725777"/>
-            <a:ext cx="7890806" cy="6084598"/>
+            <a:off x="2090956" y="1744909"/>
+            <a:ext cx="5868100" cy="1553569"/>
           </a:xfrm>
           <a:prstGeom prst="rect">
             <a:avLst/>
           </a:prstGeom>
         </p:spPr>
-      </p:pic>
+        <p:txBody>
+          <a:bodyPr>
+            <a:normAutofit/>
+          </a:bodyPr>
+          <a:lstStyle>
+            <a:lvl1pPr algn="l" defTabSz="457200" rtl="0" eaLnBrk="1" latinLnBrk="0" hangingPunct="1">
+              <a:spcBef>
+                <a:spcPct val="0"/>
+              </a:spcBef>
+              <a:buNone/>
+              <a:defRPr sz="3600" kern="1200">
+                <a:solidFill>
+                  <a:schemeClr val="accent1"/>
+                </a:solidFill>
+                <a:latin typeface="+mj-lt"/>
+                <a:ea typeface="+mj-ea"/>
+                <a:cs typeface="+mj-cs"/>
+              </a:defRPr>
+            </a:lvl1pPr>
+            <a:lvl2pPr eaLnBrk="1" hangingPunct="1">
+              <a:defRPr>
+                <a:solidFill>
+                  <a:schemeClr val="tx2"/>
+                </a:solidFill>
+              </a:defRPr>
+            </a:lvl2pPr>
+            <a:lvl3pPr eaLnBrk="1" hangingPunct="1">
+              <a:defRPr>
+                <a:solidFill>
+                  <a:schemeClr val="tx2"/>
+                </a:solidFill>
+              </a:defRPr>
+            </a:lvl3pPr>
+            <a:lvl4pPr eaLnBrk="1" hangingPunct="1">
+              <a:defRPr>
+                <a:solidFill>
+                  <a:schemeClr val="tx2"/>
+                </a:solidFill>
+              </a:defRPr>
+            </a:lvl4pPr>
+            <a:lvl5pPr eaLnBrk="1" hangingPunct="1">
+              <a:defRPr>
+                <a:solidFill>
+                  <a:schemeClr val="tx2"/>
+                </a:solidFill>
+              </a:defRPr>
+            </a:lvl5pPr>
+            <a:lvl6pPr eaLnBrk="1" hangingPunct="1">
+              <a:defRPr>
+                <a:solidFill>
+                  <a:schemeClr val="tx2"/>
+                </a:solidFill>
+              </a:defRPr>
+            </a:lvl6pPr>
+            <a:lvl7pPr eaLnBrk="1" hangingPunct="1">
+              <a:defRPr>
+                <a:solidFill>
+                  <a:schemeClr val="tx2"/>
+                </a:solidFill>
+              </a:defRPr>
+            </a:lvl7pPr>
+            <a:lvl8pPr eaLnBrk="1" hangingPunct="1">
+              <a:defRPr>
+                <a:solidFill>
+                  <a:schemeClr val="tx2"/>
+                </a:solidFill>
+              </a:defRPr>
+            </a:lvl8pPr>
+            <a:lvl9pPr eaLnBrk="1" hangingPunct="1">
+              <a:defRPr>
+                <a:solidFill>
+                  <a:schemeClr val="tx2"/>
+                </a:solidFill>
+              </a:defRPr>
+            </a:lvl9pPr>
+          </a:lstStyle>
+          <a:p>
+            <a:r>
+              <a:rPr lang="en-US" sz="4800" b="1" i="1" dirty="0">
+                <a:latin typeface="Times New Roman" panose="02020603050405020304" pitchFamily="18" charset="0"/>
+                <a:cs typeface="Times New Roman" panose="02020603050405020304" pitchFamily="18" charset="0"/>
+              </a:rPr>
+              <a:t>Demo will Continue… </a:t>
+            </a:r>
+          </a:p>
+        </p:txBody>
+      </p:sp>
+      <p:sp>
+        <p:nvSpPr>
+          <p:cNvPr id="3" name="Title 1">
+            <a:extLst>
+              <a:ext uri="{FF2B5EF4-FFF2-40B4-BE49-F238E27FC236}">
+                <a16:creationId xmlns:a16="http://schemas.microsoft.com/office/drawing/2014/main" id="{7F0D08A2-1084-4364-B4C4-660D52CBE4F7}"/>
+              </a:ext>
+            </a:extLst>
+          </p:cNvPr>
+          <p:cNvSpPr txBox="1">
+            <a:spLocks/>
+          </p:cNvSpPr>
+          <p:nvPr/>
+        </p:nvSpPr>
+        <p:spPr>
+          <a:xfrm>
+            <a:off x="855677" y="3429000"/>
+            <a:ext cx="9211112" cy="998290"/>
+          </a:xfrm>
+          <a:prstGeom prst="rect">
+            <a:avLst/>
+          </a:prstGeom>
+        </p:spPr>
+        <p:txBody>
+          <a:bodyPr>
+            <a:normAutofit fontScale="92500"/>
+          </a:bodyPr>
+          <a:lstStyle>
+            <a:lvl1pPr algn="l" defTabSz="457200" rtl="0" eaLnBrk="1" latinLnBrk="0" hangingPunct="1">
+              <a:spcBef>
+                <a:spcPct val="0"/>
+              </a:spcBef>
+              <a:buNone/>
+              <a:defRPr sz="3600" kern="1200">
+                <a:solidFill>
+                  <a:schemeClr val="accent1"/>
+                </a:solidFill>
+                <a:latin typeface="+mj-lt"/>
+                <a:ea typeface="+mj-ea"/>
+                <a:cs typeface="+mj-cs"/>
+              </a:defRPr>
+            </a:lvl1pPr>
+            <a:lvl2pPr eaLnBrk="1" hangingPunct="1">
+              <a:defRPr>
+                <a:solidFill>
+                  <a:schemeClr val="tx2"/>
+                </a:solidFill>
+              </a:defRPr>
+            </a:lvl2pPr>
+            <a:lvl3pPr eaLnBrk="1" hangingPunct="1">
+              <a:defRPr>
+                <a:solidFill>
+                  <a:schemeClr val="tx2"/>
+                </a:solidFill>
+              </a:defRPr>
+            </a:lvl3pPr>
+            <a:lvl4pPr eaLnBrk="1" hangingPunct="1">
+              <a:defRPr>
+                <a:solidFill>
+                  <a:schemeClr val="tx2"/>
+                </a:solidFill>
+              </a:defRPr>
+            </a:lvl4pPr>
+            <a:lvl5pPr eaLnBrk="1" hangingPunct="1">
+              <a:defRPr>
+                <a:solidFill>
+                  <a:schemeClr val="tx2"/>
+                </a:solidFill>
+              </a:defRPr>
+            </a:lvl5pPr>
+            <a:lvl6pPr eaLnBrk="1" hangingPunct="1">
+              <a:defRPr>
+                <a:solidFill>
+                  <a:schemeClr val="tx2"/>
+                </a:solidFill>
+              </a:defRPr>
+            </a:lvl6pPr>
+            <a:lvl7pPr eaLnBrk="1" hangingPunct="1">
+              <a:defRPr>
+                <a:solidFill>
+                  <a:schemeClr val="tx2"/>
+                </a:solidFill>
+              </a:defRPr>
+            </a:lvl7pPr>
+            <a:lvl8pPr eaLnBrk="1" hangingPunct="1">
+              <a:defRPr>
+                <a:solidFill>
+                  <a:schemeClr val="tx2"/>
+                </a:solidFill>
+              </a:defRPr>
+            </a:lvl8pPr>
+            <a:lvl9pPr eaLnBrk="1" hangingPunct="1">
+              <a:defRPr>
+                <a:solidFill>
+                  <a:schemeClr val="tx2"/>
+                </a:solidFill>
+              </a:defRPr>
+            </a:lvl9pPr>
+          </a:lstStyle>
+          <a:p>
+            <a:r>
+              <a:rPr lang="en-US" sz="5400" b="1" dirty="0">
+                <a:solidFill>
+                  <a:schemeClr val="tx1"/>
+                </a:solidFill>
+                <a:latin typeface="Times New Roman" panose="02020603050405020304" pitchFamily="18" charset="0"/>
+                <a:cs typeface="Times New Roman" panose="02020603050405020304" pitchFamily="18" charset="0"/>
+              </a:rPr>
+              <a:t>Thank You For Your Attention!!</a:t>
+            </a:r>
+          </a:p>
+        </p:txBody>
+      </p:sp>
     </p:spTree>
     <p:extLst>
       <p:ext uri="{BB962C8B-B14F-4D97-AF65-F5344CB8AC3E}">
-        <p14:creationId xmlns:p14="http://schemas.microsoft.com/office/powerpoint/2010/main" val="412277805"/>
+        <p14:creationId xmlns:p14="http://schemas.microsoft.com/office/powerpoint/2010/main" val="2198982735"/>
       </p:ext>
     </p:extLst>
   </p:cSld>
@@ -7053,13 +7344,13 @@
         </p:nvSpPr>
         <p:spPr>
           <a:xfrm>
-            <a:off x="1141411" y="1399989"/>
+            <a:off x="931686" y="1131541"/>
             <a:ext cx="9905999" cy="5311203"/>
           </a:xfrm>
         </p:spPr>
         <p:txBody>
           <a:bodyPr>
-            <a:normAutofit/>
+            <a:normAutofit fontScale="92500" lnSpcReduction="20000"/>
           </a:bodyPr>
           <a:lstStyle/>
           <a:p>
@@ -7097,7 +7388,7 @@
                 <a:latin typeface="Times New Roman" panose="02020603050405020304" pitchFamily="18" charset="0"/>
                 <a:cs typeface="Times New Roman" panose="02020603050405020304" pitchFamily="18" charset="0"/>
               </a:rPr>
-              <a:t>High Level System Architecture</a:t>
+              <a:t>Technologies Used</a:t>
             </a:r>
           </a:p>
           <a:p>
@@ -7116,7 +7407,7 @@
                 <a:latin typeface="Times New Roman" panose="02020603050405020304" pitchFamily="18" charset="0"/>
                 <a:cs typeface="Times New Roman" panose="02020603050405020304" pitchFamily="18" charset="0"/>
               </a:rPr>
-              <a:t>Stakeholders</a:t>
+              <a:t>Class Diagram</a:t>
             </a:r>
           </a:p>
           <a:p>
@@ -7148,14 +7439,18 @@
             </a:pPr>
             <a:r>
               <a:rPr lang="en-US" sz="3200" dirty="0">
-                <a:solidFill>
-                  <a:schemeClr val="tx1"/>
-                </a:solidFill>
                 <a:latin typeface="Times New Roman" panose="02020603050405020304" pitchFamily="18" charset="0"/>
                 <a:cs typeface="Times New Roman" panose="02020603050405020304" pitchFamily="18" charset="0"/>
               </a:rPr>
               <a:t>Sequence Diagram</a:t>
             </a:r>
+            <a:endParaRPr lang="en-US" sz="3200" dirty="0">
+              <a:solidFill>
+                <a:schemeClr val="tx1"/>
+              </a:solidFill>
+              <a:latin typeface="Times New Roman" panose="02020603050405020304" pitchFamily="18" charset="0"/>
+              <a:cs typeface="Times New Roman" panose="02020603050405020304" pitchFamily="18" charset="0"/>
+            </a:endParaRPr>
           </a:p>
           <a:p>
             <a:pPr marL="742950" indent="-742950">
@@ -7173,9 +7468,28 @@
                 <a:latin typeface="Times New Roman" panose="02020603050405020304" pitchFamily="18" charset="0"/>
                 <a:cs typeface="Times New Roman" panose="02020603050405020304" pitchFamily="18" charset="0"/>
               </a:rPr>
-              <a:t>Class Diagram</a:t>
-            </a:r>
-            <a:endParaRPr lang="en-US" sz="3200" dirty="0">
+              <a:t>Future Extension </a:t>
+            </a:r>
+          </a:p>
+          <a:p>
+            <a:pPr marL="742950" indent="-742950">
+              <a:lnSpc>
+                <a:spcPct val="150000"/>
+              </a:lnSpc>
+              <a:buFont typeface="+mj-lt"/>
+              <a:buAutoNum type="arabicPeriod"/>
+            </a:pPr>
+            <a:r>
+              <a:rPr lang="en-US" sz="3200" i="1" dirty="0">
+                <a:solidFill>
+                  <a:schemeClr val="tx1"/>
+                </a:solidFill>
+                <a:latin typeface="Times New Roman" panose="02020603050405020304" pitchFamily="18" charset="0"/>
+                <a:cs typeface="Times New Roman" panose="02020603050405020304" pitchFamily="18" charset="0"/>
+              </a:rPr>
+              <a:t>Demo</a:t>
+            </a:r>
+            <a:endParaRPr lang="en-US" sz="3200" i="1" dirty="0">
               <a:latin typeface="Times New Roman" panose="02020603050405020304" pitchFamily="18" charset="0"/>
               <a:cs typeface="Times New Roman" panose="02020603050405020304" pitchFamily="18" charset="0"/>
             </a:endParaRPr>
@@ -7476,7 +7790,7 @@
                 <a:latin typeface="Times New Roman" panose="02020603050405020304" pitchFamily="18" charset="0"/>
                 <a:cs typeface="Times New Roman" panose="02020603050405020304" pitchFamily="18" charset="0"/>
               </a:rPr>
-              <a:t>To solve this problem we plane to design and implement a working online Flight Booking System (FBS) application that allow users. </a:t>
+              <a:t>To solve this problem we design and implement a working online Flight Booking System (FBS) application that allow users. </a:t>
             </a:r>
           </a:p>
           <a:p>
@@ -7512,31 +7826,6 @@
             </a:r>
           </a:p>
           <a:p>
-            <a:pPr lvl="1">
-              <a:lnSpc>
-                <a:spcPct val="150000"/>
-              </a:lnSpc>
-              <a:buFont typeface="Wingdings" panose="05000000000000000000" pitchFamily="2" charset="2"/>
-              <a:buChar char="Ø"/>
-            </a:pPr>
-            <a:r>
-              <a:rPr lang="en-US" sz="2800" dirty="0">
-                <a:latin typeface="Times New Roman" panose="02020603050405020304" pitchFamily="18" charset="0"/>
-                <a:cs typeface="Times New Roman" panose="02020603050405020304" pitchFamily="18" charset="0"/>
-              </a:rPr>
-              <a:t>To check Reservation</a:t>
-            </a:r>
-          </a:p>
-          <a:p>
-            <a:pPr marL="457200" lvl="1" indent="0">
-              <a:buNone/>
-            </a:pPr>
-            <a:endParaRPr lang="en-US" sz="2800" dirty="0">
-              <a:latin typeface="Times New Roman" panose="02020603050405020304" pitchFamily="18" charset="0"/>
-              <a:cs typeface="Times New Roman" panose="02020603050405020304" pitchFamily="18" charset="0"/>
-            </a:endParaRPr>
-          </a:p>
-          <a:p>
             <a:pPr>
               <a:buFont typeface="Wingdings" panose="05000000000000000000" pitchFamily="2" charset="2"/>
               <a:buChar char="Ø"/>
@@ -7547,6 +7836,32 @@
                 <a:cs typeface="Times New Roman" panose="02020603050405020304" pitchFamily="18" charset="0"/>
               </a:rPr>
               <a:t>Back-office features - provided for authorized person for system administration purpose.</a:t>
+            </a:r>
+          </a:p>
+          <a:p>
+            <a:pPr>
+              <a:buFont typeface="Wingdings" panose="05000000000000000000" pitchFamily="2" charset="2"/>
+              <a:buChar char="Ø"/>
+            </a:pPr>
+            <a:r>
+              <a:rPr lang="en-US" sz="2800" dirty="0">
+                <a:latin typeface="Times New Roman" panose="02020603050405020304" pitchFamily="18" charset="0"/>
+                <a:cs typeface="Times New Roman" panose="02020603050405020304" pitchFamily="18" charset="0"/>
+              </a:rPr>
+              <a:t>Add flight Schedule</a:t>
+            </a:r>
+          </a:p>
+          <a:p>
+            <a:pPr>
+              <a:buFont typeface="Wingdings" panose="05000000000000000000" pitchFamily="2" charset="2"/>
+              <a:buChar char="Ø"/>
+            </a:pPr>
+            <a:r>
+              <a:rPr lang="en-US" sz="2800" dirty="0">
+                <a:latin typeface="Times New Roman" panose="02020603050405020304" pitchFamily="18" charset="0"/>
+                <a:cs typeface="Times New Roman" panose="02020603050405020304" pitchFamily="18" charset="0"/>
+              </a:rPr>
+              <a:t>Manage Airlines, Airplanes and Airports</a:t>
             </a:r>
           </a:p>
         </p:txBody>
@@ -7684,41 +7999,300 @@
                 <a:latin typeface="Times New Roman" panose="02020603050405020304" pitchFamily="18" charset="0"/>
                 <a:cs typeface="Times New Roman" panose="02020603050405020304" pitchFamily="18" charset="0"/>
               </a:rPr>
-              <a:t>High Level System Architecture</a:t>
-            </a:r>
-          </a:p>
-        </p:txBody>
-      </p:sp>
-      <p:pic>
-        <p:nvPicPr>
-          <p:cNvPr id="5" name="Picture 4">
+              <a:t>Technologies Used</a:t>
+            </a:r>
+          </a:p>
+        </p:txBody>
+      </p:sp>
+      <p:sp>
+        <p:nvSpPr>
+          <p:cNvPr id="3" name="Rectangle 2">
             <a:extLst>
               <a:ext uri="{FF2B5EF4-FFF2-40B4-BE49-F238E27FC236}">
-                <a16:creationId xmlns:a16="http://schemas.microsoft.com/office/drawing/2014/main" id="{F3653DCE-25EF-4C95-B7D2-3E2A0E1DD2B1}"/>
+                <a16:creationId xmlns:a16="http://schemas.microsoft.com/office/drawing/2014/main" id="{8E16D707-013E-4C4C-B64C-72C3C789A11E}"/>
               </a:ext>
             </a:extLst>
           </p:cNvPr>
-          <p:cNvPicPr>
-            <a:picLocks noChangeAspect="1"/>
-          </p:cNvPicPr>
+          <p:cNvSpPr/>
           <p:nvPr/>
-        </p:nvPicPr>
-        <p:blipFill>
-          <a:blip r:embed="rId2"/>
-          <a:stretch>
-            <a:fillRect/>
-          </a:stretch>
-        </p:blipFill>
+        </p:nvSpPr>
         <p:spPr>
           <a:xfrm>
-            <a:off x="2322980" y="754797"/>
-            <a:ext cx="5629784" cy="5996412"/>
+            <a:off x="858473" y="788839"/>
+            <a:ext cx="9905997" cy="6037871"/>
           </a:xfrm>
           <a:prstGeom prst="rect">
             <a:avLst/>
           </a:prstGeom>
         </p:spPr>
-      </p:pic>
+        <p:txBody>
+          <a:bodyPr wrap="square">
+            <a:spAutoFit/>
+          </a:bodyPr>
+          <a:lstStyle/>
+          <a:p>
+            <a:pPr marL="342900" indent="-342900" algn="just">
+              <a:lnSpc>
+                <a:spcPct val="150000"/>
+              </a:lnSpc>
+              <a:spcBef>
+                <a:spcPts val="1000"/>
+              </a:spcBef>
+              <a:buClr>
+                <a:schemeClr val="accent1"/>
+              </a:buClr>
+              <a:buSzPct val="80000"/>
+              <a:buFont typeface="Wingdings 3" charset="2"/>
+              <a:buChar char=""/>
+            </a:pPr>
+            <a:r>
+              <a:rPr lang="en-US" sz="2400" dirty="0">
+                <a:solidFill>
+                  <a:schemeClr val="tx1">
+                    <a:lumMod val="75000"/>
+                    <a:lumOff val="25000"/>
+                  </a:schemeClr>
+                </a:solidFill>
+                <a:latin typeface="Times New Roman" panose="02020603050405020304" pitchFamily="18" charset="0"/>
+                <a:cs typeface="Times New Roman" panose="02020603050405020304" pitchFamily="18" charset="0"/>
+              </a:rPr>
+              <a:t>Intellij IDEA and STS IDE</a:t>
+            </a:r>
+          </a:p>
+          <a:p>
+            <a:pPr marL="342900" indent="-342900" algn="just">
+              <a:lnSpc>
+                <a:spcPct val="150000"/>
+              </a:lnSpc>
+              <a:spcBef>
+                <a:spcPts val="1000"/>
+              </a:spcBef>
+              <a:buClr>
+                <a:schemeClr val="accent1"/>
+              </a:buClr>
+              <a:buSzPct val="80000"/>
+              <a:buFont typeface="Wingdings 3" charset="2"/>
+              <a:buChar char=""/>
+            </a:pPr>
+            <a:r>
+              <a:rPr lang="en-US" sz="2400" dirty="0">
+                <a:solidFill>
+                  <a:schemeClr val="tx1">
+                    <a:lumMod val="75000"/>
+                    <a:lumOff val="25000"/>
+                  </a:schemeClr>
+                </a:solidFill>
+                <a:latin typeface="Times New Roman" panose="02020603050405020304" pitchFamily="18" charset="0"/>
+                <a:cs typeface="Times New Roman" panose="02020603050405020304" pitchFamily="18" charset="0"/>
+              </a:rPr>
+              <a:t> Spring Web/MVC  </a:t>
+            </a:r>
+          </a:p>
+          <a:p>
+            <a:pPr marL="342900" indent="-342900" algn="just">
+              <a:lnSpc>
+                <a:spcPct val="150000"/>
+              </a:lnSpc>
+              <a:spcBef>
+                <a:spcPts val="1000"/>
+              </a:spcBef>
+              <a:buClr>
+                <a:schemeClr val="accent1"/>
+              </a:buClr>
+              <a:buSzPct val="80000"/>
+              <a:buFont typeface="Wingdings 3" charset="2"/>
+              <a:buChar char=""/>
+            </a:pPr>
+            <a:r>
+              <a:rPr lang="en-US" sz="2400" dirty="0">
+                <a:solidFill>
+                  <a:schemeClr val="tx1">
+                    <a:lumMod val="75000"/>
+                    <a:lumOff val="25000"/>
+                  </a:schemeClr>
+                </a:solidFill>
+                <a:latin typeface="Times New Roman" panose="02020603050405020304" pitchFamily="18" charset="0"/>
+                <a:cs typeface="Times New Roman" panose="02020603050405020304" pitchFamily="18" charset="0"/>
+              </a:rPr>
+              <a:t> Hibernate</a:t>
+            </a:r>
+          </a:p>
+          <a:p>
+            <a:pPr marL="342900" indent="-342900" algn="just">
+              <a:lnSpc>
+                <a:spcPct val="150000"/>
+              </a:lnSpc>
+              <a:spcBef>
+                <a:spcPts val="1000"/>
+              </a:spcBef>
+              <a:buClr>
+                <a:schemeClr val="accent1"/>
+              </a:buClr>
+              <a:buSzPct val="80000"/>
+              <a:buFont typeface="Wingdings 3" charset="2"/>
+              <a:buChar char=""/>
+            </a:pPr>
+            <a:r>
+              <a:rPr lang="en-US" sz="2400" dirty="0">
+                <a:solidFill>
+                  <a:schemeClr val="tx1">
+                    <a:lumMod val="75000"/>
+                    <a:lumOff val="25000"/>
+                  </a:schemeClr>
+                </a:solidFill>
+                <a:latin typeface="Times New Roman" panose="02020603050405020304" pitchFamily="18" charset="0"/>
+                <a:cs typeface="Times New Roman" panose="02020603050405020304" pitchFamily="18" charset="0"/>
+              </a:rPr>
+              <a:t> Spring Data</a:t>
+            </a:r>
+          </a:p>
+          <a:p>
+            <a:pPr marL="342900" indent="-342900" algn="just">
+              <a:lnSpc>
+                <a:spcPct val="150000"/>
+              </a:lnSpc>
+              <a:spcBef>
+                <a:spcPts val="1000"/>
+              </a:spcBef>
+              <a:buClr>
+                <a:schemeClr val="accent1"/>
+              </a:buClr>
+              <a:buSzPct val="80000"/>
+              <a:buFont typeface="Wingdings 3" charset="2"/>
+              <a:buChar char=""/>
+            </a:pPr>
+            <a:r>
+              <a:rPr lang="en-US" sz="2400" dirty="0">
+                <a:solidFill>
+                  <a:schemeClr val="tx1">
+                    <a:lumMod val="75000"/>
+                    <a:lumOff val="25000"/>
+                  </a:schemeClr>
+                </a:solidFill>
+                <a:latin typeface="Times New Roman" panose="02020603050405020304" pitchFamily="18" charset="0"/>
+                <a:cs typeface="Times New Roman" panose="02020603050405020304" pitchFamily="18" charset="0"/>
+              </a:rPr>
+              <a:t> Spring Security</a:t>
+            </a:r>
+          </a:p>
+          <a:p>
+            <a:pPr marL="342900" indent="-342900" algn="just">
+              <a:lnSpc>
+                <a:spcPct val="150000"/>
+              </a:lnSpc>
+              <a:spcBef>
+                <a:spcPts val="1000"/>
+              </a:spcBef>
+              <a:buClr>
+                <a:schemeClr val="accent1"/>
+              </a:buClr>
+              <a:buSzPct val="80000"/>
+              <a:buFont typeface="Wingdings 3" charset="2"/>
+              <a:buChar char=""/>
+            </a:pPr>
+            <a:r>
+              <a:rPr lang="en-US" sz="2400" dirty="0">
+                <a:solidFill>
+                  <a:schemeClr val="tx1">
+                    <a:lumMod val="75000"/>
+                    <a:lumOff val="25000"/>
+                  </a:schemeClr>
+                </a:solidFill>
+                <a:latin typeface="Times New Roman" panose="02020603050405020304" pitchFamily="18" charset="0"/>
+                <a:cs typeface="Times New Roman" panose="02020603050405020304" pitchFamily="18" charset="0"/>
+              </a:rPr>
+              <a:t>Hibernate Validation </a:t>
+            </a:r>
+          </a:p>
+          <a:p>
+            <a:pPr marL="342900" indent="-342900" algn="just">
+              <a:lnSpc>
+                <a:spcPct val="150000"/>
+              </a:lnSpc>
+              <a:spcBef>
+                <a:spcPts val="1000"/>
+              </a:spcBef>
+              <a:buClr>
+                <a:schemeClr val="accent1"/>
+              </a:buClr>
+              <a:buSzPct val="80000"/>
+              <a:buFont typeface="Wingdings 3" charset="2"/>
+              <a:buChar char=""/>
+            </a:pPr>
+            <a:r>
+              <a:rPr lang="en-US" sz="2400" dirty="0">
+                <a:solidFill>
+                  <a:schemeClr val="tx1">
+                    <a:lumMod val="75000"/>
+                    <a:lumOff val="25000"/>
+                  </a:schemeClr>
+                </a:solidFill>
+                <a:latin typeface="Times New Roman" panose="02020603050405020304" pitchFamily="18" charset="0"/>
+                <a:cs typeface="Times New Roman" panose="02020603050405020304" pitchFamily="18" charset="0"/>
+              </a:rPr>
+              <a:t>Hibernate Transaction</a:t>
+            </a:r>
+          </a:p>
+          <a:p>
+            <a:pPr marL="342900" indent="-342900" algn="just">
+              <a:lnSpc>
+                <a:spcPct val="150000"/>
+              </a:lnSpc>
+              <a:spcBef>
+                <a:spcPts val="1000"/>
+              </a:spcBef>
+              <a:buClr>
+                <a:schemeClr val="accent1"/>
+              </a:buClr>
+              <a:buSzPct val="80000"/>
+              <a:buFont typeface="Wingdings 3" charset="2"/>
+              <a:buChar char=""/>
+            </a:pPr>
+            <a:r>
+              <a:rPr lang="en-US" sz="2400" dirty="0">
+                <a:solidFill>
+                  <a:schemeClr val="tx1">
+                    <a:lumMod val="75000"/>
+                    <a:lumOff val="25000"/>
+                  </a:schemeClr>
+                </a:solidFill>
+                <a:latin typeface="Times New Roman" panose="02020603050405020304" pitchFamily="18" charset="0"/>
+                <a:cs typeface="Times New Roman" panose="02020603050405020304" pitchFamily="18" charset="0"/>
+              </a:rPr>
+              <a:t>REST Web Service</a:t>
+            </a:r>
+          </a:p>
+          <a:p>
+            <a:pPr marL="342900" indent="-342900" algn="just">
+              <a:lnSpc>
+                <a:spcPct val="150000"/>
+              </a:lnSpc>
+              <a:spcBef>
+                <a:spcPts val="1000"/>
+              </a:spcBef>
+              <a:buClr>
+                <a:schemeClr val="accent1"/>
+              </a:buClr>
+              <a:buSzPct val="80000"/>
+              <a:buFont typeface="Wingdings 3" charset="2"/>
+              <a:buChar char=""/>
+            </a:pPr>
+            <a:r>
+              <a:rPr lang="en-US" sz="2400" dirty="0">
+                <a:solidFill>
+                  <a:schemeClr val="tx1">
+                    <a:lumMod val="75000"/>
+                    <a:lumOff val="25000"/>
+                  </a:schemeClr>
+                </a:solidFill>
+                <a:latin typeface="Times New Roman" panose="02020603050405020304" pitchFamily="18" charset="0"/>
+                <a:cs typeface="Times New Roman" panose="02020603050405020304" pitchFamily="18" charset="0"/>
+              </a:rPr>
+              <a:t>DB: MySQL</a:t>
+            </a:r>
+          </a:p>
+        </p:txBody>
+      </p:sp>
     </p:spTree>
     <p:extLst>
       <p:ext uri="{BB962C8B-B14F-4D97-AF65-F5344CB8AC3E}">
@@ -7852,599 +8426,47 @@
                 <a:latin typeface="Times New Roman" panose="02020603050405020304" pitchFamily="18" charset="0"/>
                 <a:cs typeface="Times New Roman" panose="02020603050405020304" pitchFamily="18" charset="0"/>
               </a:rPr>
-              <a:t>Stakeholders</a:t>
-            </a:r>
-          </a:p>
-        </p:txBody>
-      </p:sp>
-      <p:graphicFrame>
-        <p:nvGraphicFramePr>
-          <p:cNvPr id="3" name="Table 2">
+              <a:t>Class Diagram</a:t>
+            </a:r>
+          </a:p>
+        </p:txBody>
+      </p:sp>
+      <p:pic>
+        <p:nvPicPr>
+          <p:cNvPr id="4" name="Picture 3">
             <a:extLst>
               <a:ext uri="{FF2B5EF4-FFF2-40B4-BE49-F238E27FC236}">
-                <a16:creationId xmlns:a16="http://schemas.microsoft.com/office/drawing/2014/main" id="{D63B7C5C-9480-4D57-892E-8ABD35EC5493}"/>
+                <a16:creationId xmlns:a16="http://schemas.microsoft.com/office/drawing/2014/main" id="{ACF970A4-1808-46FC-A8D2-A1B14EA34000}"/>
               </a:ext>
             </a:extLst>
           </p:cNvPr>
-          <p:cNvGraphicFramePr>
-            <a:graphicFrameLocks noGrp="1"/>
-          </p:cNvGraphicFramePr>
-          <p:nvPr>
-            <p:extLst>
-              <p:ext uri="{D42A27DB-BD31-4B8C-83A1-F6EECF244321}">
-                <p14:modId xmlns:p14="http://schemas.microsoft.com/office/powerpoint/2010/main" val="4137520516"/>
-              </p:ext>
-            </p:extLst>
-          </p:nvPr>
-        </p:nvGraphicFramePr>
-        <p:xfrm>
-          <a:off x="402670" y="573995"/>
-          <a:ext cx="9211114" cy="6276264"/>
-        </p:xfrm>
-        <a:graphic>
-          <a:graphicData uri="http://schemas.openxmlformats.org/drawingml/2006/table">
-            <a:tbl>
-              <a:tblPr firstRow="1" firstCol="1" bandRow="1">
-                <a:tableStyleId>{5C22544A-7EE6-4342-B048-85BDC9FD1C3A}</a:tableStyleId>
-              </a:tblPr>
-              <a:tblGrid>
-                <a:gridCol w="1535187">
-                  <a:extLst>
-                    <a:ext uri="{9D8B030D-6E8A-4147-A177-3AD203B41FA5}">
-                      <a16:colId xmlns:a16="http://schemas.microsoft.com/office/drawing/2014/main" val="1190758425"/>
-                    </a:ext>
-                  </a:extLst>
-                </a:gridCol>
-                <a:gridCol w="3196205">
-                  <a:extLst>
-                    <a:ext uri="{9D8B030D-6E8A-4147-A177-3AD203B41FA5}">
-                      <a16:colId xmlns:a16="http://schemas.microsoft.com/office/drawing/2014/main" val="3911579697"/>
-                    </a:ext>
-                  </a:extLst>
-                </a:gridCol>
-                <a:gridCol w="4479722">
-                  <a:extLst>
-                    <a:ext uri="{9D8B030D-6E8A-4147-A177-3AD203B41FA5}">
-                      <a16:colId xmlns:a16="http://schemas.microsoft.com/office/drawing/2014/main" val="2228335706"/>
-                    </a:ext>
-                  </a:extLst>
-                </a:gridCol>
-              </a:tblGrid>
-              <a:tr h="408610">
-                <a:tc>
-                  <a:txBody>
-                    <a:bodyPr/>
-                    <a:lstStyle/>
-                    <a:p>
-                      <a:pPr marL="0" marR="0">
-                        <a:lnSpc>
-                          <a:spcPct val="150000"/>
-                        </a:lnSpc>
-                        <a:spcBef>
-                          <a:spcPts val="0"/>
-                        </a:spcBef>
-                        <a:spcAft>
-                          <a:spcPts val="0"/>
-                        </a:spcAft>
-                      </a:pPr>
-                      <a:r>
-                        <a:rPr lang="en-US" sz="2000" dirty="0">
-                          <a:effectLst/>
-                        </a:rPr>
-                        <a:t>Name</a:t>
-                      </a:r>
-                      <a:endParaRPr lang="en-US" sz="2000" b="1" dirty="0">
-                        <a:effectLst/>
-                        <a:latin typeface="Times New Roman" panose="02020603050405020304" pitchFamily="18" charset="0"/>
-                        <a:ea typeface="Calibri" panose="020F0502020204030204" pitchFamily="34" charset="0"/>
-                        <a:cs typeface="Times New Roman" panose="02020603050405020304" pitchFamily="18" charset="0"/>
-                      </a:endParaRPr>
-                    </a:p>
-                  </a:txBody>
-                  <a:tcPr marL="68580" marR="68580" marT="0" marB="0"/>
-                </a:tc>
-                <a:tc>
-                  <a:txBody>
-                    <a:bodyPr/>
-                    <a:lstStyle/>
-                    <a:p>
-                      <a:pPr marL="0" marR="0">
-                        <a:lnSpc>
-                          <a:spcPct val="150000"/>
-                        </a:lnSpc>
-                        <a:spcBef>
-                          <a:spcPts val="0"/>
-                        </a:spcBef>
-                        <a:spcAft>
-                          <a:spcPts val="0"/>
-                        </a:spcAft>
-                      </a:pPr>
-                      <a:r>
-                        <a:rPr lang="en-US" sz="2000">
-                          <a:effectLst/>
-                        </a:rPr>
-                        <a:t>Description </a:t>
-                      </a:r>
-                      <a:endParaRPr lang="en-US" sz="2000" b="1">
-                        <a:effectLst/>
-                        <a:latin typeface="Times New Roman" panose="02020603050405020304" pitchFamily="18" charset="0"/>
-                        <a:ea typeface="Calibri" panose="020F0502020204030204" pitchFamily="34" charset="0"/>
-                        <a:cs typeface="Times New Roman" panose="02020603050405020304" pitchFamily="18" charset="0"/>
-                      </a:endParaRPr>
-                    </a:p>
-                  </a:txBody>
-                  <a:tcPr marL="68580" marR="68580" marT="0" marB="0"/>
-                </a:tc>
-                <a:tc>
-                  <a:txBody>
-                    <a:bodyPr/>
-                    <a:lstStyle/>
-                    <a:p>
-                      <a:pPr marL="0" marR="0">
-                        <a:lnSpc>
-                          <a:spcPct val="150000"/>
-                        </a:lnSpc>
-                        <a:spcBef>
-                          <a:spcPts val="0"/>
-                        </a:spcBef>
-                        <a:spcAft>
-                          <a:spcPts val="0"/>
-                        </a:spcAft>
-                      </a:pPr>
-                      <a:r>
-                        <a:rPr lang="en-US" sz="2000" dirty="0">
-                          <a:effectLst/>
-                        </a:rPr>
-                        <a:t>Responsibilities </a:t>
-                      </a:r>
-                      <a:endParaRPr lang="en-US" sz="2000" b="1" dirty="0">
-                        <a:effectLst/>
-                        <a:latin typeface="Times New Roman" panose="02020603050405020304" pitchFamily="18" charset="0"/>
-                        <a:ea typeface="Calibri" panose="020F0502020204030204" pitchFamily="34" charset="0"/>
-                        <a:cs typeface="Times New Roman" panose="02020603050405020304" pitchFamily="18" charset="0"/>
-                      </a:endParaRPr>
-                    </a:p>
-                  </a:txBody>
-                  <a:tcPr marL="68580" marR="68580" marT="0" marB="0"/>
-                </a:tc>
-                <a:extLst>
-                  <a:ext uri="{0D108BD9-81ED-4DB2-BD59-A6C34878D82A}">
-                    <a16:rowId xmlns:a16="http://schemas.microsoft.com/office/drawing/2014/main" val="2727767141"/>
-                  </a:ext>
-                </a:extLst>
-              </a:tr>
-              <a:tr h="1185298">
-                <a:tc>
-                  <a:txBody>
-                    <a:bodyPr/>
-                    <a:lstStyle/>
-                    <a:p>
-                      <a:pPr marL="0" marR="0">
-                        <a:lnSpc>
-                          <a:spcPct val="150000"/>
-                        </a:lnSpc>
-                        <a:spcBef>
-                          <a:spcPts val="0"/>
-                        </a:spcBef>
-                        <a:spcAft>
-                          <a:spcPts val="0"/>
-                        </a:spcAft>
-                      </a:pPr>
-                      <a:r>
-                        <a:rPr lang="en-US" sz="2000" dirty="0">
-                          <a:effectLst/>
-                        </a:rPr>
-                        <a:t>Admins </a:t>
-                      </a:r>
-                      <a:endParaRPr lang="en-US" sz="2000" dirty="0">
-                        <a:effectLst/>
-                        <a:latin typeface="Times New Roman" panose="02020603050405020304" pitchFamily="18" charset="0"/>
-                        <a:ea typeface="Calibri" panose="020F0502020204030204" pitchFamily="34" charset="0"/>
-                        <a:cs typeface="Times New Roman" panose="02020603050405020304" pitchFamily="18" charset="0"/>
-                      </a:endParaRPr>
-                    </a:p>
-                  </a:txBody>
-                  <a:tcPr marL="68580" marR="68580" marT="0" marB="0"/>
-                </a:tc>
-                <a:tc>
-                  <a:txBody>
-                    <a:bodyPr/>
-                    <a:lstStyle/>
-                    <a:p>
-                      <a:pPr marL="0" marR="0">
-                        <a:lnSpc>
-                          <a:spcPct val="150000"/>
-                        </a:lnSpc>
-                        <a:spcBef>
-                          <a:spcPts val="0"/>
-                        </a:spcBef>
-                        <a:spcAft>
-                          <a:spcPts val="0"/>
-                        </a:spcAft>
-                      </a:pPr>
-                      <a:r>
-                        <a:rPr lang="en-US" sz="2050" dirty="0">
-                          <a:effectLst/>
-                          <a:latin typeface="Times New Roman" panose="02020603050405020304" pitchFamily="18" charset="0"/>
-                          <a:cs typeface="Times New Roman" panose="02020603050405020304" pitchFamily="18" charset="0"/>
-                        </a:rPr>
-                        <a:t>Admins can add/delete/update a flight schedule, Airplane, Airline</a:t>
-                      </a:r>
-                      <a:endParaRPr lang="en-US" sz="2050" dirty="0">
-                        <a:effectLst/>
-                        <a:latin typeface="Times New Roman" panose="02020603050405020304" pitchFamily="18" charset="0"/>
-                        <a:ea typeface="Calibri" panose="020F0502020204030204" pitchFamily="34" charset="0"/>
-                        <a:cs typeface="Times New Roman" panose="02020603050405020304" pitchFamily="18" charset="0"/>
-                      </a:endParaRPr>
-                    </a:p>
-                  </a:txBody>
-                  <a:tcPr marL="68580" marR="68580" marT="0" marB="0"/>
-                </a:tc>
-                <a:tc>
-                  <a:txBody>
-                    <a:bodyPr/>
-                    <a:lstStyle/>
-                    <a:p>
-                      <a:pPr marL="0" marR="0">
-                        <a:lnSpc>
-                          <a:spcPct val="150000"/>
-                        </a:lnSpc>
-                        <a:spcBef>
-                          <a:spcPts val="0"/>
-                        </a:spcBef>
-                        <a:spcAft>
-                          <a:spcPts val="0"/>
-                        </a:spcAft>
-                      </a:pPr>
-                      <a:r>
-                        <a:rPr lang="en-US" sz="2050" dirty="0">
-                          <a:effectLst/>
-                          <a:latin typeface="Times New Roman" panose="02020603050405020304" pitchFamily="18" charset="0"/>
-                          <a:cs typeface="Times New Roman" panose="02020603050405020304" pitchFamily="18" charset="0"/>
-                        </a:rPr>
-                        <a:t>Admins are responsible for adding, deleting and updating a flight schedule, Airplane and Airline </a:t>
-                      </a:r>
-                      <a:endParaRPr lang="en-US" sz="2050" dirty="0">
-                        <a:effectLst/>
-                        <a:latin typeface="Times New Roman" panose="02020603050405020304" pitchFamily="18" charset="0"/>
-                        <a:ea typeface="Calibri" panose="020F0502020204030204" pitchFamily="34" charset="0"/>
-                        <a:cs typeface="Times New Roman" panose="02020603050405020304" pitchFamily="18" charset="0"/>
-                      </a:endParaRPr>
-                    </a:p>
-                  </a:txBody>
-                  <a:tcPr marL="68580" marR="68580" marT="0" marB="0"/>
-                </a:tc>
-                <a:extLst>
-                  <a:ext uri="{0D108BD9-81ED-4DB2-BD59-A6C34878D82A}">
-                    <a16:rowId xmlns:a16="http://schemas.microsoft.com/office/drawing/2014/main" val="2591649580"/>
-                  </a:ext>
-                </a:extLst>
-              </a:tr>
-              <a:tr h="1203455">
-                <a:tc>
-                  <a:txBody>
-                    <a:bodyPr/>
-                    <a:lstStyle/>
-                    <a:p>
-                      <a:pPr marL="0" marR="0">
-                        <a:lnSpc>
-                          <a:spcPct val="150000"/>
-                        </a:lnSpc>
-                        <a:spcBef>
-                          <a:spcPts val="0"/>
-                        </a:spcBef>
-                        <a:spcAft>
-                          <a:spcPts val="0"/>
-                        </a:spcAft>
-                      </a:pPr>
-                      <a:r>
-                        <a:rPr lang="en-US" sz="2000">
-                          <a:effectLst/>
-                        </a:rPr>
-                        <a:t>Passenger </a:t>
-                      </a:r>
-                      <a:endParaRPr lang="en-US" sz="2000">
-                        <a:effectLst/>
-                        <a:latin typeface="Times New Roman" panose="02020603050405020304" pitchFamily="18" charset="0"/>
-                        <a:ea typeface="Calibri" panose="020F0502020204030204" pitchFamily="34" charset="0"/>
-                        <a:cs typeface="Times New Roman" panose="02020603050405020304" pitchFamily="18" charset="0"/>
-                      </a:endParaRPr>
-                    </a:p>
-                  </a:txBody>
-                  <a:tcPr marL="68580" marR="68580" marT="0" marB="0"/>
-                </a:tc>
-                <a:tc>
-                  <a:txBody>
-                    <a:bodyPr/>
-                    <a:lstStyle/>
-                    <a:p>
-                      <a:pPr marL="0" marR="0">
-                        <a:lnSpc>
-                          <a:spcPct val="150000"/>
-                        </a:lnSpc>
-                        <a:spcBef>
-                          <a:spcPts val="0"/>
-                        </a:spcBef>
-                        <a:spcAft>
-                          <a:spcPts val="0"/>
-                        </a:spcAft>
-                      </a:pPr>
-                      <a:r>
-                        <a:rPr lang="en-US" sz="2050" dirty="0">
-                          <a:effectLst/>
-                          <a:latin typeface="Times New Roman" panose="02020603050405020304" pitchFamily="18" charset="0"/>
-                          <a:cs typeface="Times New Roman" panose="02020603050405020304" pitchFamily="18" charset="0"/>
-                        </a:rPr>
-                        <a:t>Passengers can book flight, view available flights and check Reservation</a:t>
-                      </a:r>
-                      <a:endParaRPr lang="en-US" sz="2050" dirty="0">
-                        <a:effectLst/>
-                        <a:latin typeface="Times New Roman" panose="02020603050405020304" pitchFamily="18" charset="0"/>
-                        <a:ea typeface="Calibri" panose="020F0502020204030204" pitchFamily="34" charset="0"/>
-                        <a:cs typeface="Times New Roman" panose="02020603050405020304" pitchFamily="18" charset="0"/>
-                      </a:endParaRPr>
-                    </a:p>
-                  </a:txBody>
-                  <a:tcPr marL="68580" marR="68580" marT="0" marB="0"/>
-                </a:tc>
-                <a:tc>
-                  <a:txBody>
-                    <a:bodyPr/>
-                    <a:lstStyle/>
-                    <a:p>
-                      <a:pPr marL="0" marR="0">
-                        <a:lnSpc>
-                          <a:spcPct val="150000"/>
-                        </a:lnSpc>
-                        <a:spcBef>
-                          <a:spcPts val="0"/>
-                        </a:spcBef>
-                        <a:spcAft>
-                          <a:spcPts val="0"/>
-                        </a:spcAft>
-                      </a:pPr>
-                      <a:r>
-                        <a:rPr lang="en-US" sz="2050" dirty="0">
-                          <a:effectLst/>
-                          <a:latin typeface="Times New Roman" panose="02020603050405020304" pitchFamily="18" charset="0"/>
-                          <a:cs typeface="Times New Roman" panose="02020603050405020304" pitchFamily="18" charset="0"/>
-                        </a:rPr>
-                        <a:t>Passengers are responsible to book a flight, view a list of flights and check reservation.</a:t>
-                      </a:r>
-                      <a:endParaRPr lang="en-US" sz="2050" dirty="0">
-                        <a:effectLst/>
-                        <a:latin typeface="Times New Roman" panose="02020603050405020304" pitchFamily="18" charset="0"/>
-                        <a:ea typeface="Calibri" panose="020F0502020204030204" pitchFamily="34" charset="0"/>
-                        <a:cs typeface="Times New Roman" panose="02020603050405020304" pitchFamily="18" charset="0"/>
-                      </a:endParaRPr>
-                    </a:p>
-                  </a:txBody>
-                  <a:tcPr marL="68580" marR="68580" marT="0" marB="0"/>
-                </a:tc>
-                <a:extLst>
-                  <a:ext uri="{0D108BD9-81ED-4DB2-BD59-A6C34878D82A}">
-                    <a16:rowId xmlns:a16="http://schemas.microsoft.com/office/drawing/2014/main" val="4155320123"/>
-                  </a:ext>
-                </a:extLst>
-              </a:tr>
-              <a:tr h="1621285">
-                <a:tc>
-                  <a:txBody>
-                    <a:bodyPr/>
-                    <a:lstStyle/>
-                    <a:p>
-                      <a:pPr marL="0" marR="0">
-                        <a:lnSpc>
-                          <a:spcPct val="150000"/>
-                        </a:lnSpc>
-                        <a:spcBef>
-                          <a:spcPts val="0"/>
-                        </a:spcBef>
-                        <a:spcAft>
-                          <a:spcPts val="0"/>
-                        </a:spcAft>
-                      </a:pPr>
-                      <a:r>
-                        <a:rPr lang="en-US" sz="2000">
-                          <a:effectLst/>
-                        </a:rPr>
-                        <a:t>Developers </a:t>
-                      </a:r>
-                      <a:endParaRPr lang="en-US" sz="2000">
-                        <a:effectLst/>
-                        <a:latin typeface="Times New Roman" panose="02020603050405020304" pitchFamily="18" charset="0"/>
-                        <a:ea typeface="Calibri" panose="020F0502020204030204" pitchFamily="34" charset="0"/>
-                        <a:cs typeface="Times New Roman" panose="02020603050405020304" pitchFamily="18" charset="0"/>
-                      </a:endParaRPr>
-                    </a:p>
-                  </a:txBody>
-                  <a:tcPr marL="68580" marR="68580" marT="0" marB="0"/>
-                </a:tc>
-                <a:tc>
-                  <a:txBody>
-                    <a:bodyPr/>
-                    <a:lstStyle/>
-                    <a:p>
-                      <a:pPr marL="0" marR="0">
-                        <a:lnSpc>
-                          <a:spcPct val="150000"/>
-                        </a:lnSpc>
-                        <a:spcBef>
-                          <a:spcPts val="0"/>
-                        </a:spcBef>
-                        <a:spcAft>
-                          <a:spcPts val="0"/>
-                        </a:spcAft>
-                      </a:pPr>
-                      <a:r>
-                        <a:rPr lang="en-US" sz="2050" dirty="0">
-                          <a:effectLst/>
-                          <a:latin typeface="Times New Roman" panose="02020603050405020304" pitchFamily="18" charset="0"/>
-                          <a:cs typeface="Times New Roman" panose="02020603050405020304" pitchFamily="18" charset="0"/>
-                        </a:rPr>
-                        <a:t>Developers develop a system on the basis of given document</a:t>
-                      </a:r>
-                      <a:endParaRPr lang="en-US" sz="2050" dirty="0">
-                        <a:effectLst/>
-                        <a:latin typeface="Times New Roman" panose="02020603050405020304" pitchFamily="18" charset="0"/>
-                        <a:ea typeface="Calibri" panose="020F0502020204030204" pitchFamily="34" charset="0"/>
-                        <a:cs typeface="Times New Roman" panose="02020603050405020304" pitchFamily="18" charset="0"/>
-                      </a:endParaRPr>
-                    </a:p>
-                  </a:txBody>
-                  <a:tcPr marL="68580" marR="68580" marT="0" marB="0"/>
-                </a:tc>
-                <a:tc>
-                  <a:txBody>
-                    <a:bodyPr/>
-                    <a:lstStyle/>
-                    <a:p>
-                      <a:pPr marL="0" marR="0">
-                        <a:lnSpc>
-                          <a:spcPct val="150000"/>
-                        </a:lnSpc>
-                        <a:spcBef>
-                          <a:spcPts val="0"/>
-                        </a:spcBef>
-                        <a:spcAft>
-                          <a:spcPts val="0"/>
-                        </a:spcAft>
-                      </a:pPr>
-                      <a:r>
-                        <a:rPr lang="en-US" sz="2050" dirty="0">
-                          <a:effectLst/>
-                          <a:latin typeface="Times New Roman" panose="02020603050405020304" pitchFamily="18" charset="0"/>
-                          <a:cs typeface="Times New Roman" panose="02020603050405020304" pitchFamily="18" charset="0"/>
-                        </a:rPr>
-                        <a:t>Developers are responsible for the design and implement system feature, receive all feedback and then for fixing the bug. They must maintain the system availability.</a:t>
-                      </a:r>
-                      <a:endParaRPr lang="en-US" sz="2050" dirty="0">
-                        <a:effectLst/>
-                        <a:latin typeface="Times New Roman" panose="02020603050405020304" pitchFamily="18" charset="0"/>
-                        <a:ea typeface="Calibri" panose="020F0502020204030204" pitchFamily="34" charset="0"/>
-                        <a:cs typeface="Times New Roman" panose="02020603050405020304" pitchFamily="18" charset="0"/>
-                      </a:endParaRPr>
-                    </a:p>
-                  </a:txBody>
-                  <a:tcPr marL="68580" marR="68580" marT="0" marB="0"/>
-                </a:tc>
-                <a:extLst>
-                  <a:ext uri="{0D108BD9-81ED-4DB2-BD59-A6C34878D82A}">
-                    <a16:rowId xmlns:a16="http://schemas.microsoft.com/office/drawing/2014/main" val="2483983231"/>
-                  </a:ext>
-                </a:extLst>
-              </a:tr>
-              <a:tr h="785624">
-                <a:tc>
-                  <a:txBody>
-                    <a:bodyPr/>
-                    <a:lstStyle/>
-                    <a:p>
-                      <a:pPr marL="0" marR="0">
-                        <a:lnSpc>
-                          <a:spcPct val="150000"/>
-                        </a:lnSpc>
-                        <a:spcBef>
-                          <a:spcPts val="0"/>
-                        </a:spcBef>
-                        <a:spcAft>
-                          <a:spcPts val="0"/>
-                        </a:spcAft>
-                      </a:pPr>
-                      <a:r>
-                        <a:rPr lang="en-US" sz="2000" dirty="0">
-                          <a:effectLst/>
-                        </a:rPr>
-                        <a:t>Testers</a:t>
-                      </a:r>
-                      <a:endParaRPr lang="en-US" sz="2000" dirty="0">
-                        <a:effectLst/>
-                        <a:latin typeface="Times New Roman" panose="02020603050405020304" pitchFamily="18" charset="0"/>
-                        <a:ea typeface="Calibri" panose="020F0502020204030204" pitchFamily="34" charset="0"/>
-                        <a:cs typeface="Times New Roman" panose="02020603050405020304" pitchFamily="18" charset="0"/>
-                      </a:endParaRPr>
-                    </a:p>
-                  </a:txBody>
-                  <a:tcPr marL="68580" marR="68580" marT="0" marB="0"/>
-                </a:tc>
-                <a:tc>
-                  <a:txBody>
-                    <a:bodyPr/>
-                    <a:lstStyle/>
-                    <a:p>
-                      <a:pPr marL="0" marR="0">
-                        <a:lnSpc>
-                          <a:spcPct val="150000"/>
-                        </a:lnSpc>
-                        <a:spcBef>
-                          <a:spcPts val="0"/>
-                        </a:spcBef>
-                        <a:spcAft>
-                          <a:spcPts val="0"/>
-                        </a:spcAft>
-                      </a:pPr>
-                      <a:r>
-                        <a:rPr lang="en-US" sz="2050">
-                          <a:effectLst/>
-                          <a:latin typeface="Times New Roman" panose="02020603050405020304" pitchFamily="18" charset="0"/>
-                          <a:cs typeface="Times New Roman" panose="02020603050405020304" pitchFamily="18" charset="0"/>
-                        </a:rPr>
-                        <a:t>Tester use jUnit tool to test system or integration</a:t>
-                      </a:r>
-                      <a:endParaRPr lang="en-US" sz="2050">
-                        <a:effectLst/>
-                        <a:latin typeface="Times New Roman" panose="02020603050405020304" pitchFamily="18" charset="0"/>
-                        <a:ea typeface="Calibri" panose="020F0502020204030204" pitchFamily="34" charset="0"/>
-                        <a:cs typeface="Times New Roman" panose="02020603050405020304" pitchFamily="18" charset="0"/>
-                      </a:endParaRPr>
-                    </a:p>
-                  </a:txBody>
-                  <a:tcPr marL="68580" marR="68580" marT="0" marB="0"/>
-                </a:tc>
-                <a:tc>
-                  <a:txBody>
-                    <a:bodyPr/>
-                    <a:lstStyle/>
-                    <a:p>
-                      <a:pPr marL="0" marR="0">
-                        <a:lnSpc>
-                          <a:spcPct val="150000"/>
-                        </a:lnSpc>
-                        <a:spcBef>
-                          <a:spcPts val="0"/>
-                        </a:spcBef>
-                        <a:spcAft>
-                          <a:spcPts val="0"/>
-                        </a:spcAft>
-                      </a:pPr>
-                      <a:r>
-                        <a:rPr lang="en-US" sz="2050" dirty="0">
-                          <a:effectLst/>
-                          <a:latin typeface="Times New Roman" panose="02020603050405020304" pitchFamily="18" charset="0"/>
-                          <a:cs typeface="Times New Roman" panose="02020603050405020304" pitchFamily="18" charset="0"/>
-                        </a:rPr>
-                        <a:t>Testers are responsible for integration testing.</a:t>
-                      </a:r>
-                      <a:endParaRPr lang="en-US" sz="2050" dirty="0">
-                        <a:effectLst/>
-                        <a:latin typeface="Times New Roman" panose="02020603050405020304" pitchFamily="18" charset="0"/>
-                        <a:ea typeface="Calibri" panose="020F0502020204030204" pitchFamily="34" charset="0"/>
-                        <a:cs typeface="Times New Roman" panose="02020603050405020304" pitchFamily="18" charset="0"/>
-                      </a:endParaRPr>
-                    </a:p>
-                  </a:txBody>
-                  <a:tcPr marL="68580" marR="68580" marT="0" marB="0"/>
-                </a:tc>
-                <a:extLst>
-                  <a:ext uri="{0D108BD9-81ED-4DB2-BD59-A6C34878D82A}">
-                    <a16:rowId xmlns:a16="http://schemas.microsoft.com/office/drawing/2014/main" val="1335882561"/>
-                  </a:ext>
-                </a:extLst>
-              </a:tr>
-            </a:tbl>
-          </a:graphicData>
-        </a:graphic>
-      </p:graphicFrame>
+          <p:cNvPicPr>
+            <a:picLocks noChangeAspect="1"/>
+          </p:cNvPicPr>
+          <p:nvPr/>
+        </p:nvPicPr>
+        <p:blipFill>
+          <a:blip r:embed="rId2">
+            <a:extLst>
+              <a:ext uri="{28A0092B-C50C-407E-A947-70E740481C1C}">
+                <a14:useLocalDpi xmlns:a14="http://schemas.microsoft.com/office/drawing/2010/main" val="0"/>
+              </a:ext>
+            </a:extLst>
+          </a:blip>
+          <a:stretch>
+            <a:fillRect/>
+          </a:stretch>
+        </p:blipFill>
+        <p:spPr>
+          <a:xfrm>
+            <a:off x="831021" y="990761"/>
+            <a:ext cx="8195535" cy="5782467"/>
+          </a:xfrm>
+          <a:prstGeom prst="rect">
+            <a:avLst/>
+          </a:prstGeom>
+        </p:spPr>
+      </p:pic>
     </p:spTree>
     <p:extLst>
       <p:ext uri="{BB962C8B-B14F-4D97-AF65-F5344CB8AC3E}">
@@ -8459,6 +8481,174 @@
 </file>
 
 <file path=ppt/slides/slide7.xml><?xml version="1.0" encoding="utf-8"?>
+<p:sld xmlns:a="http://schemas.openxmlformats.org/drawingml/2006/main" xmlns:r="http://schemas.openxmlformats.org/officeDocument/2006/relationships" xmlns:p="http://schemas.openxmlformats.org/presentationml/2006/main">
+  <p:cSld>
+    <p:spTree>
+      <p:nvGrpSpPr>
+        <p:cNvPr id="1" name=""/>
+        <p:cNvGrpSpPr/>
+        <p:nvPr/>
+      </p:nvGrpSpPr>
+      <p:grpSpPr>
+        <a:xfrm>
+          <a:off x="0" y="0"/>
+          <a:ext cx="0" cy="0"/>
+          <a:chOff x="0" y="0"/>
+          <a:chExt cx="0" cy="0"/>
+        </a:xfrm>
+      </p:grpSpPr>
+      <p:pic>
+        <p:nvPicPr>
+          <p:cNvPr id="3" name="Picture 2">
+            <a:extLst>
+              <a:ext uri="{FF2B5EF4-FFF2-40B4-BE49-F238E27FC236}">
+                <a16:creationId xmlns:a16="http://schemas.microsoft.com/office/drawing/2014/main" id="{42389023-396A-4994-A1D4-88EE18B5A31B}"/>
+              </a:ext>
+            </a:extLst>
+          </p:cNvPr>
+          <p:cNvPicPr>
+            <a:picLocks noChangeAspect="1"/>
+          </p:cNvPicPr>
+          <p:nvPr/>
+        </p:nvPicPr>
+        <p:blipFill>
+          <a:blip r:embed="rId2"/>
+          <a:stretch>
+            <a:fillRect/>
+          </a:stretch>
+        </p:blipFill>
+        <p:spPr>
+          <a:xfrm>
+            <a:off x="2060546" y="590942"/>
+            <a:ext cx="5712903" cy="6191537"/>
+          </a:xfrm>
+          <a:prstGeom prst="rect">
+            <a:avLst/>
+          </a:prstGeom>
+        </p:spPr>
+      </p:pic>
+      <p:sp>
+        <p:nvSpPr>
+          <p:cNvPr id="4" name="Title 1">
+            <a:extLst>
+              <a:ext uri="{FF2B5EF4-FFF2-40B4-BE49-F238E27FC236}">
+                <a16:creationId xmlns:a16="http://schemas.microsoft.com/office/drawing/2014/main" id="{AFFD9879-D62B-43DD-A9CC-878A6D7B0D5B}"/>
+              </a:ext>
+            </a:extLst>
+          </p:cNvPr>
+          <p:cNvSpPr txBox="1">
+            <a:spLocks/>
+          </p:cNvSpPr>
+          <p:nvPr/>
+        </p:nvSpPr>
+        <p:spPr>
+          <a:xfrm>
+            <a:off x="253768" y="0"/>
+            <a:ext cx="9326460" cy="512376"/>
+          </a:xfrm>
+          <a:prstGeom prst="rect">
+            <a:avLst/>
+          </a:prstGeom>
+        </p:spPr>
+        <p:txBody>
+          <a:bodyPr/>
+          <a:lstStyle>
+            <a:lvl1pPr algn="l" defTabSz="457200" rtl="0" eaLnBrk="1" latinLnBrk="0" hangingPunct="1">
+              <a:spcBef>
+                <a:spcPct val="0"/>
+              </a:spcBef>
+              <a:buNone/>
+              <a:defRPr sz="3600" kern="1200">
+                <a:solidFill>
+                  <a:schemeClr val="accent1"/>
+                </a:solidFill>
+                <a:latin typeface="+mj-lt"/>
+                <a:ea typeface="+mj-ea"/>
+                <a:cs typeface="+mj-cs"/>
+              </a:defRPr>
+            </a:lvl1pPr>
+            <a:lvl2pPr eaLnBrk="1" hangingPunct="1">
+              <a:defRPr>
+                <a:solidFill>
+                  <a:schemeClr val="tx2"/>
+                </a:solidFill>
+              </a:defRPr>
+            </a:lvl2pPr>
+            <a:lvl3pPr eaLnBrk="1" hangingPunct="1">
+              <a:defRPr>
+                <a:solidFill>
+                  <a:schemeClr val="tx2"/>
+                </a:solidFill>
+              </a:defRPr>
+            </a:lvl3pPr>
+            <a:lvl4pPr eaLnBrk="1" hangingPunct="1">
+              <a:defRPr>
+                <a:solidFill>
+                  <a:schemeClr val="tx2"/>
+                </a:solidFill>
+              </a:defRPr>
+            </a:lvl4pPr>
+            <a:lvl5pPr eaLnBrk="1" hangingPunct="1">
+              <a:defRPr>
+                <a:solidFill>
+                  <a:schemeClr val="tx2"/>
+                </a:solidFill>
+              </a:defRPr>
+            </a:lvl5pPr>
+            <a:lvl6pPr eaLnBrk="1" hangingPunct="1">
+              <a:defRPr>
+                <a:solidFill>
+                  <a:schemeClr val="tx2"/>
+                </a:solidFill>
+              </a:defRPr>
+            </a:lvl6pPr>
+            <a:lvl7pPr eaLnBrk="1" hangingPunct="1">
+              <a:defRPr>
+                <a:solidFill>
+                  <a:schemeClr val="tx2"/>
+                </a:solidFill>
+              </a:defRPr>
+            </a:lvl7pPr>
+            <a:lvl8pPr eaLnBrk="1" hangingPunct="1">
+              <a:defRPr>
+                <a:solidFill>
+                  <a:schemeClr val="tx2"/>
+                </a:solidFill>
+              </a:defRPr>
+            </a:lvl8pPr>
+            <a:lvl9pPr eaLnBrk="1" hangingPunct="1">
+              <a:defRPr>
+                <a:solidFill>
+                  <a:schemeClr val="tx2"/>
+                </a:solidFill>
+              </a:defRPr>
+            </a:lvl9pPr>
+          </a:lstStyle>
+          <a:p>
+            <a:r>
+              <a:rPr lang="en-US" sz="3800" b="1" dirty="0">
+                <a:latin typeface="Times New Roman" panose="02020603050405020304" pitchFamily="18" charset="0"/>
+                <a:cs typeface="Times New Roman" panose="02020603050405020304" pitchFamily="18" charset="0"/>
+              </a:rPr>
+              <a:t>Data Base Design Model (ER Diagram)</a:t>
+            </a:r>
+          </a:p>
+        </p:txBody>
+      </p:sp>
+    </p:spTree>
+    <p:extLst>
+      <p:ext uri="{BB962C8B-B14F-4D97-AF65-F5344CB8AC3E}">
+        <p14:creationId xmlns:p14="http://schemas.microsoft.com/office/powerpoint/2010/main" val="3030984472"/>
+      </p:ext>
+    </p:extLst>
+  </p:cSld>
+  <p:clrMapOvr>
+    <a:masterClrMapping/>
+  </p:clrMapOvr>
+</p:sld>
+</file>
+
+<file path=ppt/slides/slide8.xml><?xml version="1.0" encoding="utf-8"?>
 <p:sld xmlns:a="http://schemas.openxmlformats.org/drawingml/2006/main" xmlns:r="http://schemas.openxmlformats.org/officeDocument/2006/relationships" xmlns:p="http://schemas.openxmlformats.org/presentationml/2006/main">
   <p:cSld>
     <p:spTree>
@@ -8556,7 +8746,7 @@
 </p:sld>
 </file>
 
-<file path=ppt/slides/slide8.xml><?xml version="1.0" encoding="utf-8"?>
+<file path=ppt/slides/slide9.xml><?xml version="1.0" encoding="utf-8"?>
 <p:sld xmlns:a="http://schemas.openxmlformats.org/drawingml/2006/main" xmlns:r="http://schemas.openxmlformats.org/officeDocument/2006/relationships" xmlns:p="http://schemas.openxmlformats.org/presentationml/2006/main">
   <p:cSld>
     <p:spTree>
@@ -8633,8 +8823,8 @@
         </p:blipFill>
         <p:spPr>
           <a:xfrm>
-            <a:off x="921652" y="1400393"/>
-            <a:ext cx="8652141" cy="2953493"/>
+            <a:off x="653205" y="1182279"/>
+            <a:ext cx="8652141" cy="3901449"/>
           </a:xfrm>
           <a:prstGeom prst="rect">
             <a:avLst/>
@@ -8645,174 +8835,6 @@
     <p:extLst>
       <p:ext uri="{BB962C8B-B14F-4D97-AF65-F5344CB8AC3E}">
         <p14:creationId xmlns:p14="http://schemas.microsoft.com/office/powerpoint/2010/main" val="959097264"/>
-      </p:ext>
-    </p:extLst>
-  </p:cSld>
-  <p:clrMapOvr>
-    <a:masterClrMapping/>
-  </p:clrMapOvr>
-</p:sld>
-</file>
-
-<file path=ppt/slides/slide9.xml><?xml version="1.0" encoding="utf-8"?>
-<p:sld xmlns:a="http://schemas.openxmlformats.org/drawingml/2006/main" xmlns:r="http://schemas.openxmlformats.org/officeDocument/2006/relationships" xmlns:p="http://schemas.openxmlformats.org/presentationml/2006/main">
-  <p:cSld>
-    <p:spTree>
-      <p:nvGrpSpPr>
-        <p:cNvPr id="1" name=""/>
-        <p:cNvGrpSpPr/>
-        <p:nvPr/>
-      </p:nvGrpSpPr>
-      <p:grpSpPr>
-        <a:xfrm>
-          <a:off x="0" y="0"/>
-          <a:ext cx="0" cy="0"/>
-          <a:chOff x="0" y="0"/>
-          <a:chExt cx="0" cy="0"/>
-        </a:xfrm>
-      </p:grpSpPr>
-      <p:sp>
-        <p:nvSpPr>
-          <p:cNvPr id="2" name="Title 1">
-            <a:extLst>
-              <a:ext uri="{FF2B5EF4-FFF2-40B4-BE49-F238E27FC236}">
-                <a16:creationId xmlns:a16="http://schemas.microsoft.com/office/drawing/2014/main" id="{ABB0390F-9B42-400F-8C34-AC8B8390CFE2}"/>
-              </a:ext>
-            </a:extLst>
-          </p:cNvPr>
-          <p:cNvSpPr txBox="1">
-            <a:spLocks/>
-          </p:cNvSpPr>
-          <p:nvPr/>
-        </p:nvSpPr>
-        <p:spPr>
-          <a:xfrm>
-            <a:off x="797465" y="111722"/>
-            <a:ext cx="9905998" cy="1024752"/>
-          </a:xfrm>
-          <a:prstGeom prst="rect">
-            <a:avLst/>
-          </a:prstGeom>
-        </p:spPr>
-        <p:txBody>
-          <a:bodyPr/>
-          <a:lstStyle>
-            <a:lvl1pPr algn="l" defTabSz="457200" rtl="0" eaLnBrk="1" latinLnBrk="0" hangingPunct="1">
-              <a:spcBef>
-                <a:spcPct val="0"/>
-              </a:spcBef>
-              <a:buNone/>
-              <a:defRPr sz="3600" kern="1200">
-                <a:solidFill>
-                  <a:schemeClr val="accent1"/>
-                </a:solidFill>
-                <a:latin typeface="+mj-lt"/>
-                <a:ea typeface="+mj-ea"/>
-                <a:cs typeface="+mj-cs"/>
-              </a:defRPr>
-            </a:lvl1pPr>
-            <a:lvl2pPr eaLnBrk="1" hangingPunct="1">
-              <a:defRPr>
-                <a:solidFill>
-                  <a:schemeClr val="tx2"/>
-                </a:solidFill>
-              </a:defRPr>
-            </a:lvl2pPr>
-            <a:lvl3pPr eaLnBrk="1" hangingPunct="1">
-              <a:defRPr>
-                <a:solidFill>
-                  <a:schemeClr val="tx2"/>
-                </a:solidFill>
-              </a:defRPr>
-            </a:lvl3pPr>
-            <a:lvl4pPr eaLnBrk="1" hangingPunct="1">
-              <a:defRPr>
-                <a:solidFill>
-                  <a:schemeClr val="tx2"/>
-                </a:solidFill>
-              </a:defRPr>
-            </a:lvl4pPr>
-            <a:lvl5pPr eaLnBrk="1" hangingPunct="1">
-              <a:defRPr>
-                <a:solidFill>
-                  <a:schemeClr val="tx2"/>
-                </a:solidFill>
-              </a:defRPr>
-            </a:lvl5pPr>
-            <a:lvl6pPr eaLnBrk="1" hangingPunct="1">
-              <a:defRPr>
-                <a:solidFill>
-                  <a:schemeClr val="tx2"/>
-                </a:solidFill>
-              </a:defRPr>
-            </a:lvl6pPr>
-            <a:lvl7pPr eaLnBrk="1" hangingPunct="1">
-              <a:defRPr>
-                <a:solidFill>
-                  <a:schemeClr val="tx2"/>
-                </a:solidFill>
-              </a:defRPr>
-            </a:lvl7pPr>
-            <a:lvl8pPr eaLnBrk="1" hangingPunct="1">
-              <a:defRPr>
-                <a:solidFill>
-                  <a:schemeClr val="tx2"/>
-                </a:solidFill>
-              </a:defRPr>
-            </a:lvl8pPr>
-            <a:lvl9pPr eaLnBrk="1" hangingPunct="1">
-              <a:defRPr>
-                <a:solidFill>
-                  <a:schemeClr val="tx2"/>
-                </a:solidFill>
-              </a:defRPr>
-            </a:lvl9pPr>
-          </a:lstStyle>
-          <a:p>
-            <a:r>
-              <a:rPr lang="en-US" sz="4000" b="1" dirty="0">
-                <a:latin typeface="Times New Roman" panose="02020603050405020304" pitchFamily="18" charset="0"/>
-                <a:cs typeface="Times New Roman" panose="02020603050405020304" pitchFamily="18" charset="0"/>
-              </a:rPr>
-              <a:t>Sequence Diagram</a:t>
-            </a:r>
-          </a:p>
-        </p:txBody>
-      </p:sp>
-      <p:pic>
-        <p:nvPicPr>
-          <p:cNvPr id="4" name="Picture 3">
-            <a:extLst>
-              <a:ext uri="{FF2B5EF4-FFF2-40B4-BE49-F238E27FC236}">
-                <a16:creationId xmlns:a16="http://schemas.microsoft.com/office/drawing/2014/main" id="{30418F00-7060-49FF-92FA-F262162389BB}"/>
-              </a:ext>
-            </a:extLst>
-          </p:cNvPr>
-          <p:cNvPicPr>
-            <a:picLocks noChangeAspect="1"/>
-          </p:cNvPicPr>
-          <p:nvPr/>
-        </p:nvPicPr>
-        <p:blipFill>
-          <a:blip r:embed="rId2"/>
-          <a:stretch>
-            <a:fillRect/>
-          </a:stretch>
-        </p:blipFill>
-        <p:spPr>
-          <a:xfrm>
-            <a:off x="280114" y="984286"/>
-            <a:ext cx="9360616" cy="4745395"/>
-          </a:xfrm>
-          <a:prstGeom prst="rect">
-            <a:avLst/>
-          </a:prstGeom>
-        </p:spPr>
-      </p:pic>
-    </p:spTree>
-    <p:extLst>
-      <p:ext uri="{BB962C8B-B14F-4D97-AF65-F5344CB8AC3E}">
-        <p14:creationId xmlns:p14="http://schemas.microsoft.com/office/powerpoint/2010/main" val="3856882937"/>
       </p:ext>
     </p:extLst>
   </p:cSld>
